--- a/templates/kedo_short.pptx
+++ b/templates/kedo_short.pptx
@@ -21,7 +21,7 @@
     <p:sldId id="259" r:id="rId16"/>
   </p:sldIdLst>
   <p:sldSz cx="7559675" cy="10439400"/>
-  <p:notesSz cx="6858000" cy="9144000"/>
+  <p:notesSz cx="7559675" cy="10691813"/>
 </p:presentation>
 </file>
 
@@ -55,7 +55,7 @@
         <p:spPr>
           <a:xfrm>
             <a:off x="257760" y="1511280"/>
-            <a:ext cx="7044120" cy="4165920"/>
+            <a:ext cx="7043760" cy="4165560"/>
           </a:xfrm>
           <a:prstGeom prst="rect">
             <a:avLst/>
@@ -70,10 +70,10 @@
             <a:noAutofit/>
           </a:bodyPr>
           <a:p>
-            <a:pPr indent="0">
+            <a:pPr indent="0" algn="ctr">
               <a:buNone/>
             </a:pPr>
-            <a:endParaRPr b="0" lang="ru-RU" sz="1400" spc="-1" strike="noStrike">
+            <a:endParaRPr b="0" lang="ru-RU" sz="4400" spc="-1" strike="noStrike">
               <a:solidFill>
                 <a:srgbClr val="000000"/>
               </a:solidFill>
@@ -94,8 +94,8 @@
         </p:nvSpPr>
         <p:spPr>
           <a:xfrm>
-            <a:off x="378000" y="2442960"/>
-            <a:ext cx="6803640" cy="6054840"/>
+            <a:off x="377640" y="2442600"/>
+            <a:ext cx="6803280" cy="6054120"/>
           </a:xfrm>
           <a:prstGeom prst="rect">
             <a:avLst/>
@@ -136,7 +136,7 @@
         <p:txBody>
           <a:bodyPr/>
           <a:p>
-            <a:fld id="{AE9D1F34-7516-4DEA-BC29-CE2228FF4670}" type="slidenum">
+            <a:fld id="{0FD7CB64-5425-410D-AB9C-66613D6688F6}" type="slidenum">
               <a:t>&lt;#&gt;</a:t>
             </a:fld>
           </a:p>
@@ -178,7 +178,7 @@
         <p:txBody>
           <a:bodyPr/>
           <a:p>
-            <a:fld id="{43166E2F-32D2-42EE-97DB-F520099FBDB0}" type="slidenum">
+            <a:fld id="{7AB54ED4-E206-4D09-8C3B-836FF685A8CC}" type="slidenum">
               <a:t>&lt;#&gt;</a:t>
             </a:fld>
           </a:p>
@@ -220,7 +220,7 @@
         <p:txBody>
           <a:bodyPr/>
           <a:p>
-            <a:fld id="{48F91E76-7189-42BD-B42B-3370BAF50A8B}" type="slidenum">
+            <a:fld id="{00ADEF68-A2E9-4FC5-9287-6BFF10ECAD8F}" type="slidenum">
               <a:t>&lt;#&gt;</a:t>
             </a:fld>
           </a:p>
@@ -262,7 +262,7 @@
         <p:txBody>
           <a:bodyPr/>
           <a:p>
-            <a:fld id="{DA605E18-46EC-4808-A233-5A7CD5607078}" type="slidenum">
+            <a:fld id="{3E504D3B-DDAD-481B-AA1A-83AD5CA7C0D6}" type="slidenum">
               <a:t>&lt;#&gt;</a:t>
             </a:fld>
           </a:p>
@@ -304,7 +304,7 @@
         <p:txBody>
           <a:bodyPr/>
           <a:p>
-            <a:fld id="{B692D4FB-9D76-46E8-915E-27405C8DAF7E}" type="slidenum">
+            <a:fld id="{ACFDCCF3-77BD-4E5E-8F17-66827096E72D}" type="slidenum">
               <a:t>&lt;#&gt;</a:t>
             </a:fld>
           </a:p>
@@ -346,7 +346,7 @@
         <p:txBody>
           <a:bodyPr/>
           <a:p>
-            <a:fld id="{25F2FFDE-70C1-4144-9851-04B92550E615}" type="slidenum">
+            <a:fld id="{B112453F-984C-4A4B-B1E7-79C1A0380E73}" type="slidenum">
               <a:t>&lt;#&gt;</a:t>
             </a:fld>
           </a:p>
@@ -376,7 +376,7 @@
       </p:grpSpPr>
       <p:sp>
         <p:nvSpPr>
-          <p:cNvPr id="14" name="PlaceHolder 1"/>
+          <p:cNvPr id="11" name="PlaceHolder 1"/>
           <p:cNvSpPr>
             <a:spLocks noGrp="1"/>
           </p:cNvSpPr>
@@ -387,7 +387,7 @@
         <p:spPr>
           <a:xfrm>
             <a:off x="257760" y="1511280"/>
-            <a:ext cx="7044120" cy="4165920"/>
+            <a:ext cx="7043760" cy="4165560"/>
           </a:xfrm>
           <a:prstGeom prst="rect">
             <a:avLst/>
@@ -402,10 +402,10 @@
             <a:noAutofit/>
           </a:bodyPr>
           <a:p>
-            <a:pPr indent="0">
+            <a:pPr indent="0" algn="ctr">
               <a:buNone/>
             </a:pPr>
-            <a:endParaRPr b="0" lang="ru-RU" sz="1400" spc="-1" strike="noStrike">
+            <a:endParaRPr b="0" lang="ru-RU" sz="4400" spc="-1" strike="noStrike">
               <a:solidFill>
                 <a:srgbClr val="000000"/>
               </a:solidFill>
@@ -416,7 +416,7 @@
       </p:sp>
       <p:sp>
         <p:nvSpPr>
-          <p:cNvPr id="15" name="PlaceHolder 2"/>
+          <p:cNvPr id="12" name="PlaceHolder 2"/>
           <p:cNvSpPr>
             <a:spLocks noGrp="1"/>
           </p:cNvSpPr>
@@ -426,8 +426,8 @@
         </p:nvSpPr>
         <p:spPr>
           <a:xfrm>
-            <a:off x="378000" y="2442960"/>
-            <a:ext cx="6803640" cy="6054840"/>
+            <a:off x="377640" y="2442600"/>
+            <a:ext cx="6803280" cy="6054120"/>
           </a:xfrm>
           <a:prstGeom prst="rect">
             <a:avLst/>
@@ -448,7 +448,7 @@
               </a:spcBef>
               <a:buNone/>
             </a:pPr>
-            <a:endParaRPr b="0" lang="ru-RU" sz="1400" spc="-1" strike="noStrike">
+            <a:endParaRPr b="0" lang="ru-RU" sz="3200" spc="-1" strike="noStrike">
               <a:solidFill>
                 <a:srgbClr val="000000"/>
               </a:solidFill>
@@ -471,7 +471,7 @@
         <p:txBody>
           <a:bodyPr/>
           <a:p>
-            <a:fld id="{CE1159B9-D64A-4038-BD89-CE105C4ABF46}" type="slidenum">
+            <a:fld id="{3012330A-A925-419F-8FEC-480AA939D1EF}" type="slidenum">
               <a:t>&lt;#&gt;</a:t>
             </a:fld>
           </a:p>
@@ -501,7 +501,7 @@
       </p:grpSpPr>
       <p:sp>
         <p:nvSpPr>
-          <p:cNvPr id="20" name="PlaceHolder 1"/>
+          <p:cNvPr id="17" name="PlaceHolder 1"/>
           <p:cNvSpPr>
             <a:spLocks noGrp="1"/>
           </p:cNvSpPr>
@@ -512,7 +512,7 @@
         <p:spPr>
           <a:xfrm>
             <a:off x="257760" y="1511280"/>
-            <a:ext cx="7044120" cy="4165920"/>
+            <a:ext cx="7043760" cy="4165560"/>
           </a:xfrm>
           <a:prstGeom prst="rect">
             <a:avLst/>
@@ -527,10 +527,10 @@
             <a:noAutofit/>
           </a:bodyPr>
           <a:p>
-            <a:pPr indent="0">
+            <a:pPr indent="0" algn="ctr">
               <a:buNone/>
             </a:pPr>
-            <a:endParaRPr b="0" lang="ru-RU" sz="1400" spc="-1" strike="noStrike">
+            <a:endParaRPr b="0" lang="ru-RU" sz="4400" spc="-1" strike="noStrike">
               <a:solidFill>
                 <a:srgbClr val="000000"/>
               </a:solidFill>
@@ -541,7 +541,7 @@
       </p:sp>
       <p:sp>
         <p:nvSpPr>
-          <p:cNvPr id="21" name="PlaceHolder 2"/>
+          <p:cNvPr id="18" name="PlaceHolder 2"/>
           <p:cNvSpPr>
             <a:spLocks noGrp="1"/>
           </p:cNvSpPr>
@@ -551,8 +551,8 @@
         </p:nvSpPr>
         <p:spPr>
           <a:xfrm>
-            <a:off x="378000" y="2442960"/>
-            <a:ext cx="3319920" cy="6054840"/>
+            <a:off x="377640" y="2442600"/>
+            <a:ext cx="3319920" cy="6054120"/>
           </a:xfrm>
           <a:prstGeom prst="rect">
             <a:avLst/>
@@ -573,7 +573,7 @@
               </a:spcBef>
               <a:buNone/>
             </a:pPr>
-            <a:endParaRPr b="0" lang="ru-RU" sz="1400" spc="-1" strike="noStrike">
+            <a:endParaRPr b="0" lang="ru-RU" sz="3200" spc="-1" strike="noStrike">
               <a:solidFill>
                 <a:srgbClr val="000000"/>
               </a:solidFill>
@@ -584,7 +584,7 @@
       </p:sp>
       <p:sp>
         <p:nvSpPr>
-          <p:cNvPr id="22" name="PlaceHolder 3"/>
+          <p:cNvPr id="19" name="PlaceHolder 3"/>
           <p:cNvSpPr>
             <a:spLocks noGrp="1"/>
           </p:cNvSpPr>
@@ -594,8 +594,8 @@
         </p:nvSpPr>
         <p:spPr>
           <a:xfrm>
-            <a:off x="3864240" y="2442960"/>
-            <a:ext cx="3319920" cy="6054840"/>
+            <a:off x="3863880" y="2442600"/>
+            <a:ext cx="3319920" cy="6054120"/>
           </a:xfrm>
           <a:prstGeom prst="rect">
             <a:avLst/>
@@ -616,7 +616,7 @@
               </a:spcBef>
               <a:buNone/>
             </a:pPr>
-            <a:endParaRPr b="0" lang="ru-RU" sz="1400" spc="-1" strike="noStrike">
+            <a:endParaRPr b="0" lang="ru-RU" sz="3200" spc="-1" strike="noStrike">
               <a:solidFill>
                 <a:srgbClr val="000000"/>
               </a:solidFill>
@@ -639,7 +639,7 @@
         <p:txBody>
           <a:bodyPr/>
           <a:p>
-            <a:fld id="{24FC42E2-230B-4593-81E3-010F0D4A27CA}" type="slidenum">
+            <a:fld id="{34405437-246B-4974-9AC3-E32698D8686D}" type="slidenum">
               <a:t>&lt;#&gt;</a:t>
             </a:fld>
           </a:p>
@@ -669,7 +669,7 @@
       </p:grpSpPr>
       <p:sp>
         <p:nvSpPr>
-          <p:cNvPr id="25" name="PlaceHolder 1"/>
+          <p:cNvPr id="22" name="PlaceHolder 1"/>
           <p:cNvSpPr>
             <a:spLocks noGrp="1"/>
           </p:cNvSpPr>
@@ -680,7 +680,7 @@
         <p:spPr>
           <a:xfrm>
             <a:off x="257760" y="1511280"/>
-            <a:ext cx="7044120" cy="4165920"/>
+            <a:ext cx="7043760" cy="4165560"/>
           </a:xfrm>
           <a:prstGeom prst="rect">
             <a:avLst/>
@@ -695,10 +695,10 @@
             <a:noAutofit/>
           </a:bodyPr>
           <a:p>
-            <a:pPr indent="0">
+            <a:pPr indent="0" algn="ctr">
               <a:buNone/>
             </a:pPr>
-            <a:endParaRPr b="0" lang="ru-RU" sz="1400" spc="-1" strike="noStrike">
+            <a:endParaRPr b="0" lang="ru-RU" sz="4400" spc="-1" strike="noStrike">
               <a:solidFill>
                 <a:srgbClr val="000000"/>
               </a:solidFill>
@@ -721,7 +721,7 @@
         <p:txBody>
           <a:bodyPr/>
           <a:p>
-            <a:fld id="{C9686CBF-4E0E-4057-91EE-B6E33B3FBC84}" type="slidenum">
+            <a:fld id="{DB4291C4-05B1-4DC8-A0DE-9F000B0F0D7D}" type="slidenum">
               <a:t>&lt;#&gt;</a:t>
             </a:fld>
           </a:p>
@@ -763,7 +763,7 @@
         <p:txBody>
           <a:bodyPr/>
           <a:p>
-            <a:fld id="{028E1BA7-6B63-4FCF-9F51-5AC18682CC87}" type="slidenum">
+            <a:fld id="{6E9CCC38-C9F8-4EA5-8051-0873D824D7EE}" type="slidenum">
               <a:t>&lt;#&gt;</a:t>
             </a:fld>
           </a:p>
@@ -805,7 +805,7 @@
         <p:txBody>
           <a:bodyPr/>
           <a:p>
-            <a:fld id="{CEC749AC-D3F5-4C3D-AA80-5C98BE26C4D0}" type="slidenum">
+            <a:fld id="{298500DD-322D-4026-B958-4EEF3D50A690}" type="slidenum">
               <a:t>&lt;#&gt;</a:t>
             </a:fld>
           </a:p>
@@ -853,7 +853,7 @@
         <p:spPr>
           <a:xfrm>
             <a:off x="257760" y="1511280"/>
-            <a:ext cx="7044120" cy="4165920"/>
+            <a:ext cx="7043760" cy="4165560"/>
           </a:xfrm>
           <a:prstGeom prst="rect">
             <a:avLst/>
@@ -864,15 +864,15 @@
           </a:ln>
         </p:spPr>
         <p:txBody>
-          <a:bodyPr lIns="91440" rIns="91440" tIns="91440" bIns="91440" anchor="b">
-            <a:normAutofit/>
+          <a:bodyPr lIns="0" rIns="0" tIns="0" bIns="0" anchor="ctr">
+            <a:noAutofit/>
           </a:bodyPr>
           <a:p>
             <a:pPr indent="0">
               <a:buNone/>
             </a:pPr>
             <a:r>
-              <a:rPr b="0" lang="ru-RU" sz="5200" spc="-1" strike="noStrike">
+              <a:rPr b="0" lang="ru-RU" sz="1800" spc="-1" strike="noStrike">
                 <a:solidFill>
                   <a:srgbClr val="000000"/>
                 </a:solidFill>
@@ -880,7 +880,7 @@
               </a:rPr>
               <a:t>Для правки текста заглавия щёлкните мышью</a:t>
             </a:r>
-            <a:endParaRPr b="0" lang="ru-RU" sz="5200" spc="-1" strike="noStrike">
+            <a:endParaRPr b="0" lang="ru-RU" sz="1800" spc="-1" strike="noStrike">
               <a:solidFill>
                 <a:srgbClr val="000000"/>
               </a:solidFill>
@@ -902,7 +902,7 @@
         <p:spPr>
           <a:xfrm>
             <a:off x="7004880" y="9465120"/>
-            <a:ext cx="453240" cy="798480"/>
+            <a:ext cx="452880" cy="798120"/>
           </a:xfrm>
           <a:prstGeom prst="rect">
             <a:avLst/>
@@ -914,7 +914,7 @@
         </p:spPr>
         <p:txBody>
           <a:bodyPr lIns="91440" rIns="91440" tIns="91440" bIns="91440" anchor="ctr">
-            <a:normAutofit/>
+            <a:noAutofit/>
           </a:bodyPr>
           <a:lstStyle>
             <a:lvl1pPr indent="0" algn="r">
@@ -944,7 +944,7 @@
                 <a:tab algn="l" pos="0"/>
               </a:tabLst>
             </a:pPr>
-            <a:fld id="{9EC13F4A-A785-461A-86C1-EB6D8CEDCDF4}" type="slidenum">
+            <a:fld id="{58864C23-6C13-43AA-8CCC-FCF5EA4405A2}" type="slidenum">
               <a:rPr b="0" lang="ru" sz="1000" spc="-1" strike="noStrike">
                 <a:solidFill>
                   <a:schemeClr val="dk2"/>
@@ -975,8 +975,8 @@
         </p:nvSpPr>
         <p:spPr>
           <a:xfrm>
-            <a:off x="378000" y="2442960"/>
-            <a:ext cx="6803640" cy="6054840"/>
+            <a:off x="377640" y="2442600"/>
+            <a:ext cx="6803280" cy="6054120"/>
           </a:xfrm>
           <a:prstGeom prst="rect">
             <a:avLst/>
@@ -1003,7 +1003,7 @@
               <a:buChar char=""/>
             </a:pPr>
             <a:r>
-              <a:rPr b="0" lang="ru-RU" sz="1400" spc="-1" strike="noStrike">
+              <a:rPr b="0" lang="ru-RU" sz="3200" spc="-1" strike="noStrike">
                 <a:solidFill>
                   <a:srgbClr val="000000"/>
                 </a:solidFill>
@@ -1011,7 +1011,7 @@
               </a:rPr>
               <a:t>Для правки структуры щёлкните мышью</a:t>
             </a:r>
-            <a:endParaRPr b="0" lang="ru-RU" sz="1400" spc="-1" strike="noStrike">
+            <a:endParaRPr b="0" lang="ru-RU" sz="3200" spc="-1" strike="noStrike">
               <a:solidFill>
                 <a:srgbClr val="000000"/>
               </a:solidFill>
@@ -1031,7 +1031,7 @@
               <a:buChar char=""/>
             </a:pPr>
             <a:r>
-              <a:rPr b="0" lang="ru-RU" sz="1400" spc="-1" strike="noStrike">
+              <a:rPr b="0" lang="ru-RU" sz="2800" spc="-1" strike="noStrike">
                 <a:solidFill>
                   <a:srgbClr val="000000"/>
                 </a:solidFill>
@@ -1039,7 +1039,7 @@
               </a:rPr>
               <a:t>Второй уровень структуры</a:t>
             </a:r>
-            <a:endParaRPr b="0" lang="ru-RU" sz="1400" spc="-1" strike="noStrike">
+            <a:endParaRPr b="0" lang="ru-RU" sz="2800" spc="-1" strike="noStrike">
               <a:solidFill>
                 <a:srgbClr val="000000"/>
               </a:solidFill>
@@ -1059,7 +1059,7 @@
               <a:buChar char=""/>
             </a:pPr>
             <a:r>
-              <a:rPr b="0" lang="ru-RU" sz="1400" spc="-1" strike="noStrike">
+              <a:rPr b="0" lang="ru-RU" sz="2400" spc="-1" strike="noStrike">
                 <a:solidFill>
                   <a:srgbClr val="000000"/>
                 </a:solidFill>
@@ -1067,7 +1067,7 @@
               </a:rPr>
               <a:t>Третий уровень структуры</a:t>
             </a:r>
-            <a:endParaRPr b="0" lang="ru-RU" sz="1400" spc="-1" strike="noStrike">
+            <a:endParaRPr b="0" lang="ru-RU" sz="2400" spc="-1" strike="noStrike">
               <a:solidFill>
                 <a:srgbClr val="000000"/>
               </a:solidFill>
@@ -1087,7 +1087,7 @@
               <a:buChar char=""/>
             </a:pPr>
             <a:r>
-              <a:rPr b="0" lang="ru-RU" sz="1400" spc="-1" strike="noStrike">
+              <a:rPr b="0" lang="ru-RU" sz="2000" spc="-1" strike="noStrike">
                 <a:solidFill>
                   <a:srgbClr val="000000"/>
                 </a:solidFill>
@@ -1095,7 +1095,7 @@
               </a:rPr>
               <a:t>Четвёртый уровень структуры</a:t>
             </a:r>
-            <a:endParaRPr b="0" lang="ru-RU" sz="1400" spc="-1" strike="noStrike">
+            <a:endParaRPr b="0" lang="ru-RU" sz="2000" spc="-1" strike="noStrike">
               <a:solidFill>
                 <a:srgbClr val="000000"/>
               </a:solidFill>
@@ -1223,14 +1223,14 @@
       </p:grpSpPr>
       <p:sp>
         <p:nvSpPr>
-          <p:cNvPr id="31" name="Google Shape;36;p9"/>
+          <p:cNvPr id="25" name="Google Shape;36;p9"/>
           <p:cNvSpPr/>
           <p:nvPr/>
         </p:nvSpPr>
         <p:spPr>
           <a:xfrm>
             <a:off x="3780000" y="-360"/>
-            <a:ext cx="3779640" cy="10439640"/>
+            <a:ext cx="3779280" cy="10439280"/>
           </a:xfrm>
           <a:prstGeom prst="rect">
             <a:avLst/>
@@ -1249,7 +1249,7 @@
           <a:fontRef idx="minor"/>
         </p:style>
         <p:txBody>
-          <a:bodyPr tIns="91440" bIns="91440" anchor="ctr">
+          <a:bodyPr lIns="90000" rIns="90000" tIns="91440" bIns="91440" anchor="ctr">
             <a:noAutofit/>
           </a:bodyPr>
           <a:p>
@@ -1272,67 +1272,18 @@
       </p:sp>
       <p:sp>
         <p:nvSpPr>
-          <p:cNvPr id="32" name="PlaceHolder 1"/>
+          <p:cNvPr id="26" name="PlaceHolder 1"/>
           <p:cNvSpPr>
             <a:spLocks noGrp="1"/>
           </p:cNvSpPr>
           <p:nvPr>
-            <p:ph type="title"/>
+            <p:ph type="sldNum" idx="10"/>
           </p:nvPr>
         </p:nvSpPr>
         <p:spPr>
           <a:xfrm>
-            <a:off x="219600" y="2503080"/>
-            <a:ext cx="3344040" cy="3008520"/>
-          </a:xfrm>
-          <a:prstGeom prst="rect">
-            <a:avLst/>
-          </a:prstGeom>
-          <a:noFill/>
-          <a:ln w="0">
-            <a:noFill/>
-          </a:ln>
-        </p:spPr>
-        <p:txBody>
-          <a:bodyPr lIns="91440" rIns="91440" tIns="91440" bIns="91440" anchor="b">
-            <a:normAutofit fontScale="87361"/>
-          </a:bodyPr>
-          <a:p>
-            <a:pPr indent="0">
-              <a:buNone/>
-            </a:pPr>
-            <a:r>
-              <a:rPr b="0" lang="ru-RU" sz="4200" spc="-1" strike="noStrike">
-                <a:solidFill>
-                  <a:srgbClr val="000000"/>
-                </a:solidFill>
-                <a:latin typeface="Arial"/>
-              </a:rPr>
-              <a:t>Для правки текста заглавия щёлкните мышью</a:t>
-            </a:r>
-            <a:endParaRPr b="0" lang="ru-RU" sz="4200" spc="-1" strike="noStrike">
-              <a:solidFill>
-                <a:srgbClr val="000000"/>
-              </a:solidFill>
-              <a:latin typeface="Arial"/>
-            </a:endParaRPr>
-          </a:p>
-        </p:txBody>
-      </p:sp>
-      <p:sp>
-        <p:nvSpPr>
-          <p:cNvPr id="33" name="PlaceHolder 2"/>
-          <p:cNvSpPr>
-            <a:spLocks noGrp="1"/>
-          </p:cNvSpPr>
-          <p:nvPr>
-            <p:ph type="body"/>
-          </p:nvPr>
-        </p:nvSpPr>
-        <p:spPr>
-          <a:xfrm>
-            <a:off x="4083840" y="1469520"/>
-            <a:ext cx="3171960" cy="7499520"/>
+            <a:off x="7004880" y="9465120"/>
+            <a:ext cx="452880" cy="798120"/>
           </a:xfrm>
           <a:prstGeom prst="rect">
             <a:avLst/>
@@ -1344,232 +1295,7 @@
         </p:spPr>
         <p:txBody>
           <a:bodyPr lIns="91440" rIns="91440" tIns="91440" bIns="91440" anchor="ctr">
-            <a:normAutofit fontScale="62222"/>
-          </a:bodyPr>
-          <a:p>
-            <a:pPr marL="432000" indent="-324000">
-              <a:spcBef>
-                <a:spcPts val="1417"/>
-              </a:spcBef>
-              <a:buClr>
-                <a:srgbClr val="000000"/>
-              </a:buClr>
-              <a:buSzPct val="45000"/>
-              <a:buFont typeface="Wingdings" charset="2"/>
-              <a:buChar char=""/>
-            </a:pPr>
-            <a:r>
-              <a:rPr b="0" lang="ru-RU" sz="1800" spc="-1" strike="noStrike">
-                <a:solidFill>
-                  <a:srgbClr val="000000"/>
-                </a:solidFill>
-                <a:latin typeface="Arial"/>
-              </a:rPr>
-              <a:t>Для правки структуры щёлкните мышью</a:t>
-            </a:r>
-            <a:endParaRPr b="0" lang="ru-RU" sz="1800" spc="-1" strike="noStrike">
-              <a:solidFill>
-                <a:srgbClr val="000000"/>
-              </a:solidFill>
-              <a:latin typeface="Arial"/>
-            </a:endParaRPr>
-          </a:p>
-          <a:p>
-            <a:pPr lvl="1" marL="864000" indent="-324000">
-              <a:spcBef>
-                <a:spcPts val="1134"/>
-              </a:spcBef>
-              <a:buClr>
-                <a:srgbClr val="000000"/>
-              </a:buClr>
-              <a:buSzPct val="75000"/>
-              <a:buFont typeface="Symbol" charset="2"/>
-              <a:buChar char=""/>
-            </a:pPr>
-            <a:r>
-              <a:rPr b="0" lang="ru-RU" sz="1800" spc="-1" strike="noStrike">
-                <a:solidFill>
-                  <a:srgbClr val="000000"/>
-                </a:solidFill>
-                <a:latin typeface="Arial"/>
-              </a:rPr>
-              <a:t>Второй уровень структуры</a:t>
-            </a:r>
-            <a:endParaRPr b="0" lang="ru-RU" sz="1800" spc="-1" strike="noStrike">
-              <a:solidFill>
-                <a:srgbClr val="000000"/>
-              </a:solidFill>
-              <a:latin typeface="Arial"/>
-            </a:endParaRPr>
-          </a:p>
-          <a:p>
-            <a:pPr lvl="2" marL="1296000" indent="-288000">
-              <a:spcBef>
-                <a:spcPts val="850"/>
-              </a:spcBef>
-              <a:buClr>
-                <a:srgbClr val="000000"/>
-              </a:buClr>
-              <a:buSzPct val="45000"/>
-              <a:buFont typeface="Wingdings" charset="2"/>
-              <a:buChar char=""/>
-            </a:pPr>
-            <a:r>
-              <a:rPr b="0" lang="ru-RU" sz="1800" spc="-1" strike="noStrike">
-                <a:solidFill>
-                  <a:srgbClr val="000000"/>
-                </a:solidFill>
-                <a:latin typeface="Arial"/>
-              </a:rPr>
-              <a:t>Третий уровень структуры</a:t>
-            </a:r>
-            <a:endParaRPr b="0" lang="ru-RU" sz="1800" spc="-1" strike="noStrike">
-              <a:solidFill>
-                <a:srgbClr val="000000"/>
-              </a:solidFill>
-              <a:latin typeface="Arial"/>
-            </a:endParaRPr>
-          </a:p>
-          <a:p>
-            <a:pPr lvl="3" marL="1728000" indent="-216000">
-              <a:spcBef>
-                <a:spcPts val="567"/>
-              </a:spcBef>
-              <a:buClr>
-                <a:srgbClr val="000000"/>
-              </a:buClr>
-              <a:buSzPct val="75000"/>
-              <a:buFont typeface="Symbol" charset="2"/>
-              <a:buChar char=""/>
-            </a:pPr>
-            <a:r>
-              <a:rPr b="0" lang="ru-RU" sz="1800" spc="-1" strike="noStrike">
-                <a:solidFill>
-                  <a:srgbClr val="000000"/>
-                </a:solidFill>
-                <a:latin typeface="Arial"/>
-              </a:rPr>
-              <a:t>Четвёртый уровень структуры</a:t>
-            </a:r>
-            <a:endParaRPr b="0" lang="ru-RU" sz="1800" spc="-1" strike="noStrike">
-              <a:solidFill>
-                <a:srgbClr val="000000"/>
-              </a:solidFill>
-              <a:latin typeface="Arial"/>
-            </a:endParaRPr>
-          </a:p>
-          <a:p>
-            <a:pPr lvl="4" marL="2160000" indent="-216000">
-              <a:spcBef>
-                <a:spcPts val="283"/>
-              </a:spcBef>
-              <a:buClr>
-                <a:srgbClr val="000000"/>
-              </a:buClr>
-              <a:buSzPct val="45000"/>
-              <a:buFont typeface="Wingdings" charset="2"/>
-              <a:buChar char=""/>
-            </a:pPr>
-            <a:r>
-              <a:rPr b="0" lang="ru-RU" sz="1800" spc="-1" strike="noStrike">
-                <a:solidFill>
-                  <a:srgbClr val="000000"/>
-                </a:solidFill>
-                <a:latin typeface="Arial"/>
-              </a:rPr>
-              <a:t>Пятый уровень структуры</a:t>
-            </a:r>
-            <a:endParaRPr b="0" lang="ru-RU" sz="1800" spc="-1" strike="noStrike">
-              <a:solidFill>
-                <a:srgbClr val="000000"/>
-              </a:solidFill>
-              <a:latin typeface="Arial"/>
-            </a:endParaRPr>
-          </a:p>
-          <a:p>
-            <a:pPr lvl="5" marL="2592000" indent="-216000">
-              <a:spcBef>
-                <a:spcPts val="283"/>
-              </a:spcBef>
-              <a:buClr>
-                <a:srgbClr val="000000"/>
-              </a:buClr>
-              <a:buSzPct val="45000"/>
-              <a:buFont typeface="Wingdings" charset="2"/>
-              <a:buChar char=""/>
-            </a:pPr>
-            <a:r>
-              <a:rPr b="0" lang="ru-RU" sz="1800" spc="-1" strike="noStrike">
-                <a:solidFill>
-                  <a:srgbClr val="000000"/>
-                </a:solidFill>
-                <a:latin typeface="Arial"/>
-              </a:rPr>
-              <a:t>Шестой уровень структуры</a:t>
-            </a:r>
-            <a:endParaRPr b="0" lang="ru-RU" sz="1800" spc="-1" strike="noStrike">
-              <a:solidFill>
-                <a:srgbClr val="000000"/>
-              </a:solidFill>
-              <a:latin typeface="Arial"/>
-            </a:endParaRPr>
-          </a:p>
-          <a:p>
-            <a:pPr lvl="6" marL="3024000" indent="-216000">
-              <a:spcBef>
-                <a:spcPts val="283"/>
-              </a:spcBef>
-              <a:buClr>
-                <a:srgbClr val="000000"/>
-              </a:buClr>
-              <a:buSzPct val="45000"/>
-              <a:buFont typeface="Wingdings" charset="2"/>
-              <a:buChar char=""/>
-            </a:pPr>
-            <a:r>
-              <a:rPr b="0" lang="ru-RU" sz="1800" spc="-1" strike="noStrike">
-                <a:solidFill>
-                  <a:srgbClr val="000000"/>
-                </a:solidFill>
-                <a:latin typeface="Arial"/>
-              </a:rPr>
-              <a:t>Седьмой уровень структуры</a:t>
-            </a:r>
-            <a:endParaRPr b="0" lang="ru-RU" sz="1800" spc="-1" strike="noStrike">
-              <a:solidFill>
-                <a:srgbClr val="000000"/>
-              </a:solidFill>
-              <a:latin typeface="Arial"/>
-            </a:endParaRPr>
-          </a:p>
-        </p:txBody>
-      </p:sp>
-      <p:sp>
-        <p:nvSpPr>
-          <p:cNvPr id="34" name="PlaceHolder 3"/>
-          <p:cNvSpPr>
-            <a:spLocks noGrp="1"/>
-          </p:cNvSpPr>
-          <p:nvPr>
-            <p:ph type="sldNum" idx="10"/>
-          </p:nvPr>
-        </p:nvSpPr>
-        <p:spPr>
-          <a:xfrm>
-            <a:off x="7004880" y="9465120"/>
-            <a:ext cx="453240" cy="798480"/>
-          </a:xfrm>
-          <a:prstGeom prst="rect">
-            <a:avLst/>
-          </a:prstGeom>
-          <a:noFill/>
-          <a:ln w="0">
-            <a:noFill/>
-          </a:ln>
-        </p:spPr>
-        <p:txBody>
-          <a:bodyPr lIns="91440" rIns="91440" tIns="91440" bIns="91440" anchor="ctr">
-            <a:normAutofit/>
+            <a:noAutofit/>
           </a:bodyPr>
           <a:lstStyle>
             <a:lvl1pPr indent="0" algn="r">
@@ -1599,7 +1325,7 @@
                 <a:tab algn="l" pos="0"/>
               </a:tabLst>
             </a:pPr>
-            <a:fld id="{F958F9CB-D941-4228-B1C4-97DD42F720F2}" type="slidenum">
+            <a:fld id="{4672C48E-F355-4CA7-ADCF-6781275C8A5A}" type="slidenum">
               <a:rPr b="0" lang="ru" sz="1000" spc="-1" strike="noStrike">
                 <a:solidFill>
                   <a:schemeClr val="dk2"/>
@@ -1653,18 +1379,18 @@
       </p:grpSpPr>
       <p:sp>
         <p:nvSpPr>
-          <p:cNvPr id="35" name="PlaceHolder 1"/>
+          <p:cNvPr id="27" name="PlaceHolder 1"/>
           <p:cNvSpPr>
             <a:spLocks noGrp="1"/>
           </p:cNvSpPr>
           <p:nvPr>
-            <p:ph type="body"/>
+            <p:ph type="sldNum" idx="11"/>
           </p:nvPr>
         </p:nvSpPr>
         <p:spPr>
           <a:xfrm>
-            <a:off x="257760" y="8587080"/>
-            <a:ext cx="4959360" cy="1227960"/>
+            <a:off x="7004880" y="9465120"/>
+            <a:ext cx="452880" cy="798120"/>
           </a:xfrm>
           <a:prstGeom prst="rect">
             <a:avLst/>
@@ -1676,232 +1402,7 @@
         </p:spPr>
         <p:txBody>
           <a:bodyPr lIns="91440" rIns="91440" tIns="91440" bIns="91440" anchor="ctr">
-            <a:normAutofit fontScale="37222" lnSpcReduction="10000"/>
-          </a:bodyPr>
-          <a:p>
-            <a:pPr marL="432000" indent="-324000">
-              <a:spcBef>
-                <a:spcPts val="1417"/>
-              </a:spcBef>
-              <a:buClr>
-                <a:srgbClr val="000000"/>
-              </a:buClr>
-              <a:buSzPct val="45000"/>
-              <a:buFont typeface="Wingdings" charset="2"/>
-              <a:buChar char=""/>
-            </a:pPr>
-            <a:r>
-              <a:rPr b="0" lang="ru-RU" sz="1800" spc="-1" strike="noStrike">
-                <a:solidFill>
-                  <a:srgbClr val="000000"/>
-                </a:solidFill>
-                <a:latin typeface="Arial"/>
-              </a:rPr>
-              <a:t>Для правки структуры щёлкните мышью</a:t>
-            </a:r>
-            <a:endParaRPr b="0" lang="ru-RU" sz="1800" spc="-1" strike="noStrike">
-              <a:solidFill>
-                <a:srgbClr val="000000"/>
-              </a:solidFill>
-              <a:latin typeface="Arial"/>
-            </a:endParaRPr>
-          </a:p>
-          <a:p>
-            <a:pPr lvl="1" marL="864000" indent="-324000">
-              <a:spcBef>
-                <a:spcPts val="1134"/>
-              </a:spcBef>
-              <a:buClr>
-                <a:srgbClr val="000000"/>
-              </a:buClr>
-              <a:buSzPct val="75000"/>
-              <a:buFont typeface="Symbol" charset="2"/>
-              <a:buChar char=""/>
-            </a:pPr>
-            <a:r>
-              <a:rPr b="0" lang="ru-RU" sz="1800" spc="-1" strike="noStrike">
-                <a:solidFill>
-                  <a:srgbClr val="000000"/>
-                </a:solidFill>
-                <a:latin typeface="Arial"/>
-              </a:rPr>
-              <a:t>Второй уровень структуры</a:t>
-            </a:r>
-            <a:endParaRPr b="0" lang="ru-RU" sz="1800" spc="-1" strike="noStrike">
-              <a:solidFill>
-                <a:srgbClr val="000000"/>
-              </a:solidFill>
-              <a:latin typeface="Arial"/>
-            </a:endParaRPr>
-          </a:p>
-          <a:p>
-            <a:pPr lvl="2" marL="1296000" indent="-288000">
-              <a:spcBef>
-                <a:spcPts val="850"/>
-              </a:spcBef>
-              <a:buClr>
-                <a:srgbClr val="000000"/>
-              </a:buClr>
-              <a:buSzPct val="45000"/>
-              <a:buFont typeface="Wingdings" charset="2"/>
-              <a:buChar char=""/>
-            </a:pPr>
-            <a:r>
-              <a:rPr b="0" lang="ru-RU" sz="1800" spc="-1" strike="noStrike">
-                <a:solidFill>
-                  <a:srgbClr val="000000"/>
-                </a:solidFill>
-                <a:latin typeface="Arial"/>
-              </a:rPr>
-              <a:t>Третий уровень структуры</a:t>
-            </a:r>
-            <a:endParaRPr b="0" lang="ru-RU" sz="1800" spc="-1" strike="noStrike">
-              <a:solidFill>
-                <a:srgbClr val="000000"/>
-              </a:solidFill>
-              <a:latin typeface="Arial"/>
-            </a:endParaRPr>
-          </a:p>
-          <a:p>
-            <a:pPr lvl="3" marL="1728000" indent="-216000">
-              <a:spcBef>
-                <a:spcPts val="567"/>
-              </a:spcBef>
-              <a:buClr>
-                <a:srgbClr val="000000"/>
-              </a:buClr>
-              <a:buSzPct val="75000"/>
-              <a:buFont typeface="Symbol" charset="2"/>
-              <a:buChar char=""/>
-            </a:pPr>
-            <a:r>
-              <a:rPr b="0" lang="ru-RU" sz="1800" spc="-1" strike="noStrike">
-                <a:solidFill>
-                  <a:srgbClr val="000000"/>
-                </a:solidFill>
-                <a:latin typeface="Arial"/>
-              </a:rPr>
-              <a:t>Четвёртый уровень структуры</a:t>
-            </a:r>
-            <a:endParaRPr b="0" lang="ru-RU" sz="1800" spc="-1" strike="noStrike">
-              <a:solidFill>
-                <a:srgbClr val="000000"/>
-              </a:solidFill>
-              <a:latin typeface="Arial"/>
-            </a:endParaRPr>
-          </a:p>
-          <a:p>
-            <a:pPr lvl="4" marL="2160000" indent="-216000">
-              <a:spcBef>
-                <a:spcPts val="283"/>
-              </a:spcBef>
-              <a:buClr>
-                <a:srgbClr val="000000"/>
-              </a:buClr>
-              <a:buSzPct val="45000"/>
-              <a:buFont typeface="Wingdings" charset="2"/>
-              <a:buChar char=""/>
-            </a:pPr>
-            <a:r>
-              <a:rPr b="0" lang="ru-RU" sz="1800" spc="-1" strike="noStrike">
-                <a:solidFill>
-                  <a:srgbClr val="000000"/>
-                </a:solidFill>
-                <a:latin typeface="Arial"/>
-              </a:rPr>
-              <a:t>Пятый уровень структуры</a:t>
-            </a:r>
-            <a:endParaRPr b="0" lang="ru-RU" sz="1800" spc="-1" strike="noStrike">
-              <a:solidFill>
-                <a:srgbClr val="000000"/>
-              </a:solidFill>
-              <a:latin typeface="Arial"/>
-            </a:endParaRPr>
-          </a:p>
-          <a:p>
-            <a:pPr lvl="5" marL="2592000" indent="-216000">
-              <a:spcBef>
-                <a:spcPts val="283"/>
-              </a:spcBef>
-              <a:buClr>
-                <a:srgbClr val="000000"/>
-              </a:buClr>
-              <a:buSzPct val="45000"/>
-              <a:buFont typeface="Wingdings" charset="2"/>
-              <a:buChar char=""/>
-            </a:pPr>
-            <a:r>
-              <a:rPr b="0" lang="ru-RU" sz="1800" spc="-1" strike="noStrike">
-                <a:solidFill>
-                  <a:srgbClr val="000000"/>
-                </a:solidFill>
-                <a:latin typeface="Arial"/>
-              </a:rPr>
-              <a:t>Шестой уровень структуры</a:t>
-            </a:r>
-            <a:endParaRPr b="0" lang="ru-RU" sz="1800" spc="-1" strike="noStrike">
-              <a:solidFill>
-                <a:srgbClr val="000000"/>
-              </a:solidFill>
-              <a:latin typeface="Arial"/>
-            </a:endParaRPr>
-          </a:p>
-          <a:p>
-            <a:pPr lvl="6" marL="3024000" indent="-216000">
-              <a:spcBef>
-                <a:spcPts val="283"/>
-              </a:spcBef>
-              <a:buClr>
-                <a:srgbClr val="000000"/>
-              </a:buClr>
-              <a:buSzPct val="45000"/>
-              <a:buFont typeface="Wingdings" charset="2"/>
-              <a:buChar char=""/>
-            </a:pPr>
-            <a:r>
-              <a:rPr b="0" lang="ru-RU" sz="1800" spc="-1" strike="noStrike">
-                <a:solidFill>
-                  <a:srgbClr val="000000"/>
-                </a:solidFill>
-                <a:latin typeface="Arial"/>
-              </a:rPr>
-              <a:t>Седьмой уровень структуры</a:t>
-            </a:r>
-            <a:endParaRPr b="0" lang="ru-RU" sz="1800" spc="-1" strike="noStrike">
-              <a:solidFill>
-                <a:srgbClr val="000000"/>
-              </a:solidFill>
-              <a:latin typeface="Arial"/>
-            </a:endParaRPr>
-          </a:p>
-        </p:txBody>
-      </p:sp>
-      <p:sp>
-        <p:nvSpPr>
-          <p:cNvPr id="36" name="PlaceHolder 2"/>
-          <p:cNvSpPr>
-            <a:spLocks noGrp="1"/>
-          </p:cNvSpPr>
-          <p:nvPr>
-            <p:ph type="sldNum" idx="11"/>
-          </p:nvPr>
-        </p:nvSpPr>
-        <p:spPr>
-          <a:xfrm>
-            <a:off x="7004880" y="9465120"/>
-            <a:ext cx="453240" cy="798480"/>
-          </a:xfrm>
-          <a:prstGeom prst="rect">
-            <a:avLst/>
-          </a:prstGeom>
-          <a:noFill/>
-          <a:ln w="0">
-            <a:noFill/>
-          </a:ln>
-        </p:spPr>
-        <p:txBody>
-          <a:bodyPr lIns="91440" rIns="91440" tIns="91440" bIns="91440" anchor="ctr">
-            <a:normAutofit/>
+            <a:noAutofit/>
           </a:bodyPr>
           <a:lstStyle>
             <a:lvl1pPr indent="0" algn="r">
@@ -1931,7 +1432,7 @@
                 <a:tab algn="l" pos="0"/>
               </a:tabLst>
             </a:pPr>
-            <a:fld id="{F8E80449-378C-4385-A36B-09531348E755}" type="slidenum">
+            <a:fld id="{C2923D92-6EEA-4423-9C2C-EC971B50AD0A}" type="slidenum">
               <a:rPr b="0" lang="ru" sz="1000" spc="-1" strike="noStrike">
                 <a:solidFill>
                   <a:schemeClr val="dk2"/>
@@ -1990,291 +1491,13 @@
             <a:spLocks noGrp="1"/>
           </p:cNvSpPr>
           <p:nvPr>
-            <p:ph type="title"/>
-          </p:nvPr>
-        </p:nvSpPr>
-        <p:spPr>
-          <a:xfrm>
-            <a:off x="257760" y="2245320"/>
-            <a:ext cx="7044120" cy="3985200"/>
-          </a:xfrm>
-          <a:prstGeom prst="rect">
-            <a:avLst/>
-          </a:prstGeom>
-          <a:noFill/>
-          <a:ln w="0">
-            <a:noFill/>
-          </a:ln>
-        </p:spPr>
-        <p:txBody>
-          <a:bodyPr lIns="91440" rIns="91440" tIns="91440" bIns="91440" anchor="b">
-            <a:normAutofit/>
-          </a:bodyPr>
-          <a:p>
-            <a:pPr indent="0" algn="ctr">
-              <a:lnSpc>
-                <a:spcPct val="100000"/>
-              </a:lnSpc>
-              <a:buNone/>
-            </a:pPr>
-            <a:r>
-              <a:rPr b="0" lang="ru-RU" sz="12000" spc="-1" strike="noStrike">
-                <a:solidFill>
-                  <a:schemeClr val="dk1"/>
-                </a:solidFill>
-                <a:latin typeface="Arial"/>
-                <a:ea typeface="Arial"/>
-              </a:rPr>
-              <a:t>xx%</a:t>
-            </a:r>
-            <a:endParaRPr b="0" lang="ru-RU" sz="12000" spc="-1" strike="noStrike">
-              <a:solidFill>
-                <a:srgbClr val="000000"/>
-              </a:solidFill>
-              <a:latin typeface="Arial"/>
-            </a:endParaRPr>
-          </a:p>
-        </p:txBody>
-      </p:sp>
-      <p:sp>
-        <p:nvSpPr>
-          <p:cNvPr id="6" name="PlaceHolder 2"/>
-          <p:cNvSpPr>
-            <a:spLocks noGrp="1"/>
-          </p:cNvSpPr>
-          <p:nvPr>
-            <p:ph type="body"/>
-          </p:nvPr>
-        </p:nvSpPr>
-        <p:spPr>
-          <a:xfrm>
-            <a:off x="257760" y="6398280"/>
-            <a:ext cx="7044120" cy="2639880"/>
-          </a:xfrm>
-          <a:prstGeom prst="rect">
-            <a:avLst/>
-          </a:prstGeom>
-          <a:noFill/>
-          <a:ln w="0">
-            <a:noFill/>
-          </a:ln>
-        </p:spPr>
-        <p:txBody>
-          <a:bodyPr lIns="91440" rIns="91440" tIns="91440" bIns="91440" anchor="t">
-            <a:normAutofit/>
-          </a:bodyPr>
-          <a:p>
-            <a:pPr marL="432000" indent="-324000">
-              <a:spcBef>
-                <a:spcPts val="1417"/>
-              </a:spcBef>
-              <a:buClr>
-                <a:srgbClr val="000000"/>
-              </a:buClr>
-              <a:buSzPct val="45000"/>
-              <a:buFont typeface="Wingdings" charset="2"/>
-              <a:buChar char=""/>
-            </a:pPr>
-            <a:r>
-              <a:rPr b="0" lang="ru-RU" sz="1800" spc="-1" strike="noStrike">
-                <a:solidFill>
-                  <a:srgbClr val="000000"/>
-                </a:solidFill>
-                <a:latin typeface="Arial"/>
-              </a:rPr>
-              <a:t>Для правки структуры щёлкните мышью</a:t>
-            </a:r>
-            <a:endParaRPr b="0" lang="ru-RU" sz="1800" spc="-1" strike="noStrike">
-              <a:solidFill>
-                <a:srgbClr val="000000"/>
-              </a:solidFill>
-              <a:latin typeface="Arial"/>
-            </a:endParaRPr>
-          </a:p>
-          <a:p>
-            <a:pPr lvl="1" marL="864000" indent="-324000">
-              <a:spcBef>
-                <a:spcPts val="1134"/>
-              </a:spcBef>
-              <a:buClr>
-                <a:srgbClr val="000000"/>
-              </a:buClr>
-              <a:buSzPct val="75000"/>
-              <a:buFont typeface="Symbol" charset="2"/>
-              <a:buChar char=""/>
-            </a:pPr>
-            <a:r>
-              <a:rPr b="0" lang="ru-RU" sz="1800" spc="-1" strike="noStrike">
-                <a:solidFill>
-                  <a:srgbClr val="000000"/>
-                </a:solidFill>
-                <a:latin typeface="Arial"/>
-              </a:rPr>
-              <a:t>Второй уровень структуры</a:t>
-            </a:r>
-            <a:endParaRPr b="0" lang="ru-RU" sz="1800" spc="-1" strike="noStrike">
-              <a:solidFill>
-                <a:srgbClr val="000000"/>
-              </a:solidFill>
-              <a:latin typeface="Arial"/>
-            </a:endParaRPr>
-          </a:p>
-          <a:p>
-            <a:pPr lvl="2" marL="1296000" indent="-288000">
-              <a:spcBef>
-                <a:spcPts val="850"/>
-              </a:spcBef>
-              <a:buClr>
-                <a:srgbClr val="000000"/>
-              </a:buClr>
-              <a:buSzPct val="45000"/>
-              <a:buFont typeface="Wingdings" charset="2"/>
-              <a:buChar char=""/>
-            </a:pPr>
-            <a:r>
-              <a:rPr b="0" lang="ru-RU" sz="1800" spc="-1" strike="noStrike">
-                <a:solidFill>
-                  <a:srgbClr val="000000"/>
-                </a:solidFill>
-                <a:latin typeface="Arial"/>
-              </a:rPr>
-              <a:t>Третий уровень структуры</a:t>
-            </a:r>
-            <a:endParaRPr b="0" lang="ru-RU" sz="1800" spc="-1" strike="noStrike">
-              <a:solidFill>
-                <a:srgbClr val="000000"/>
-              </a:solidFill>
-              <a:latin typeface="Arial"/>
-            </a:endParaRPr>
-          </a:p>
-          <a:p>
-            <a:pPr lvl="3" marL="1728000" indent="-216000">
-              <a:spcBef>
-                <a:spcPts val="567"/>
-              </a:spcBef>
-              <a:buClr>
-                <a:srgbClr val="000000"/>
-              </a:buClr>
-              <a:buSzPct val="75000"/>
-              <a:buFont typeface="Symbol" charset="2"/>
-              <a:buChar char=""/>
-            </a:pPr>
-            <a:r>
-              <a:rPr b="0" lang="ru-RU" sz="1800" spc="-1" strike="noStrike">
-                <a:solidFill>
-                  <a:srgbClr val="000000"/>
-                </a:solidFill>
-                <a:latin typeface="Arial"/>
-              </a:rPr>
-              <a:t>Четвёртый уровень структуры</a:t>
-            </a:r>
-            <a:endParaRPr b="0" lang="ru-RU" sz="1800" spc="-1" strike="noStrike">
-              <a:solidFill>
-                <a:srgbClr val="000000"/>
-              </a:solidFill>
-              <a:latin typeface="Arial"/>
-            </a:endParaRPr>
-          </a:p>
-          <a:p>
-            <a:pPr lvl="4" marL="2160000" indent="-216000">
-              <a:spcBef>
-                <a:spcPts val="283"/>
-              </a:spcBef>
-              <a:buClr>
-                <a:srgbClr val="000000"/>
-              </a:buClr>
-              <a:buSzPct val="45000"/>
-              <a:buFont typeface="Wingdings" charset="2"/>
-              <a:buChar char=""/>
-            </a:pPr>
-            <a:r>
-              <a:rPr b="0" lang="ru-RU" sz="1800" spc="-1" strike="noStrike">
-                <a:solidFill>
-                  <a:srgbClr val="000000"/>
-                </a:solidFill>
-                <a:latin typeface="Arial"/>
-              </a:rPr>
-              <a:t>Пятый уровень структуры</a:t>
-            </a:r>
-            <a:endParaRPr b="0" lang="ru-RU" sz="1800" spc="-1" strike="noStrike">
-              <a:solidFill>
-                <a:srgbClr val="000000"/>
-              </a:solidFill>
-              <a:latin typeface="Arial"/>
-            </a:endParaRPr>
-          </a:p>
-          <a:p>
-            <a:pPr lvl="5" marL="2592000" indent="-216000">
-              <a:spcBef>
-                <a:spcPts val="283"/>
-              </a:spcBef>
-              <a:buClr>
-                <a:srgbClr val="000000"/>
-              </a:buClr>
-              <a:buSzPct val="45000"/>
-              <a:buFont typeface="Wingdings" charset="2"/>
-              <a:buChar char=""/>
-            </a:pPr>
-            <a:r>
-              <a:rPr b="0" lang="ru-RU" sz="1800" spc="-1" strike="noStrike">
-                <a:solidFill>
-                  <a:srgbClr val="000000"/>
-                </a:solidFill>
-                <a:latin typeface="Arial"/>
-              </a:rPr>
-              <a:t>Шестой уровень структуры</a:t>
-            </a:r>
-            <a:endParaRPr b="0" lang="ru-RU" sz="1800" spc="-1" strike="noStrike">
-              <a:solidFill>
-                <a:srgbClr val="000000"/>
-              </a:solidFill>
-              <a:latin typeface="Arial"/>
-            </a:endParaRPr>
-          </a:p>
-          <a:p>
-            <a:pPr lvl="6" marL="3024000" indent="-216000">
-              <a:spcBef>
-                <a:spcPts val="283"/>
-              </a:spcBef>
-              <a:buClr>
-                <a:srgbClr val="000000"/>
-              </a:buClr>
-              <a:buSzPct val="45000"/>
-              <a:buFont typeface="Wingdings" charset="2"/>
-              <a:buChar char=""/>
-            </a:pPr>
-            <a:r>
-              <a:rPr b="0" lang="ru-RU" sz="1800" spc="-1" strike="noStrike">
-                <a:solidFill>
-                  <a:srgbClr val="000000"/>
-                </a:solidFill>
-                <a:latin typeface="Arial"/>
-              </a:rPr>
-              <a:t>Седьмой уровень структуры</a:t>
-            </a:r>
-            <a:endParaRPr b="0" lang="ru-RU" sz="1800" spc="-1" strike="noStrike">
-              <a:solidFill>
-                <a:srgbClr val="000000"/>
-              </a:solidFill>
-              <a:latin typeface="Arial"/>
-            </a:endParaRPr>
-          </a:p>
-        </p:txBody>
-      </p:sp>
-      <p:sp>
-        <p:nvSpPr>
-          <p:cNvPr id="7" name="PlaceHolder 3"/>
-          <p:cNvSpPr>
-            <a:spLocks noGrp="1"/>
-          </p:cNvSpPr>
-          <p:nvPr>
             <p:ph type="sldNum" idx="2"/>
           </p:nvPr>
         </p:nvSpPr>
         <p:spPr>
           <a:xfrm>
             <a:off x="7004880" y="9465120"/>
-            <a:ext cx="453240" cy="798480"/>
+            <a:ext cx="452880" cy="798120"/>
           </a:xfrm>
           <a:prstGeom prst="rect">
             <a:avLst/>
@@ -2286,7 +1509,7 @@
         </p:spPr>
         <p:txBody>
           <a:bodyPr lIns="91440" rIns="91440" tIns="91440" bIns="91440" anchor="ctr">
-            <a:normAutofit/>
+            <a:noAutofit/>
           </a:bodyPr>
           <a:lstStyle>
             <a:lvl1pPr indent="0" algn="r">
@@ -2316,7 +1539,7 @@
                 <a:tab algn="l" pos="0"/>
               </a:tabLst>
             </a:pPr>
-            <a:fld id="{CF651762-05CB-4E65-A5CC-9D7B1678479F}" type="slidenum">
+            <a:fld id="{03125604-C8CE-490E-98BC-20FC8D711F79}" type="slidenum">
               <a:rPr b="0" lang="ru" sz="1000" spc="-1" strike="noStrike">
                 <a:solidFill>
                   <a:schemeClr val="dk2"/>
@@ -2370,7 +1593,7 @@
       </p:grpSpPr>
       <p:sp>
         <p:nvSpPr>
-          <p:cNvPr id="8" name="PlaceHolder 1"/>
+          <p:cNvPr id="6" name="PlaceHolder 1"/>
           <p:cNvSpPr>
             <a:spLocks noGrp="1"/>
           </p:cNvSpPr>
@@ -2381,7 +1604,7 @@
         <p:spPr>
           <a:xfrm>
             <a:off x="7004880" y="9465120"/>
-            <a:ext cx="453240" cy="798480"/>
+            <a:ext cx="452880" cy="798120"/>
           </a:xfrm>
           <a:prstGeom prst="rect">
             <a:avLst/>
@@ -2393,7 +1616,7 @@
         </p:spPr>
         <p:txBody>
           <a:bodyPr lIns="91440" rIns="91440" tIns="91440" bIns="91440" anchor="ctr">
-            <a:normAutofit/>
+            <a:noAutofit/>
           </a:bodyPr>
           <a:lstStyle>
             <a:lvl1pPr indent="0" algn="r">
@@ -2423,7 +1646,7 @@
                 <a:tab algn="l" pos="0"/>
               </a:tabLst>
             </a:pPr>
-            <a:fld id="{BCBD2842-48C8-43C3-8BCC-F0F1EF968ECE}" type="slidenum">
+            <a:fld id="{A3D54441-D9A9-447B-80E9-CEB2B90903E5}" type="slidenum">
               <a:rPr b="0" lang="ru" sz="1000" spc="-1" strike="noStrike">
                 <a:solidFill>
                   <a:schemeClr val="dk2"/>
@@ -2477,18 +1700,18 @@
       </p:grpSpPr>
       <p:sp>
         <p:nvSpPr>
-          <p:cNvPr id="9" name="PlaceHolder 1"/>
+          <p:cNvPr id="7" name="PlaceHolder 1"/>
           <p:cNvSpPr>
             <a:spLocks noGrp="1"/>
           </p:cNvSpPr>
           <p:nvPr>
-            <p:ph type="title"/>
+            <p:ph type="sldNum" idx="4"/>
           </p:nvPr>
         </p:nvSpPr>
         <p:spPr>
           <a:xfrm>
-            <a:off x="257760" y="4365720"/>
-            <a:ext cx="7044120" cy="1708200"/>
+            <a:off x="7004880" y="9465120"/>
+            <a:ext cx="452880" cy="798120"/>
           </a:xfrm>
           <a:prstGeom prst="rect">
             <a:avLst/>
@@ -2500,56 +1723,7 @@
         </p:spPr>
         <p:txBody>
           <a:bodyPr lIns="91440" rIns="91440" tIns="91440" bIns="91440" anchor="ctr">
-            <a:normAutofit/>
-          </a:bodyPr>
-          <a:p>
-            <a:pPr indent="0">
-              <a:buNone/>
-            </a:pPr>
-            <a:r>
-              <a:rPr b="0" lang="ru-RU" sz="3600" spc="-1" strike="noStrike">
-                <a:solidFill>
-                  <a:srgbClr val="000000"/>
-                </a:solidFill>
-                <a:latin typeface="Arial"/>
-              </a:rPr>
-              <a:t>Для правки текста заглавия щёлкните мышью</a:t>
-            </a:r>
-            <a:endParaRPr b="0" lang="ru-RU" sz="3600" spc="-1" strike="noStrike">
-              <a:solidFill>
-                <a:srgbClr val="000000"/>
-              </a:solidFill>
-              <a:latin typeface="Arial"/>
-            </a:endParaRPr>
-          </a:p>
-        </p:txBody>
-      </p:sp>
-      <p:sp>
-        <p:nvSpPr>
-          <p:cNvPr id="10" name="PlaceHolder 2"/>
-          <p:cNvSpPr>
-            <a:spLocks noGrp="1"/>
-          </p:cNvSpPr>
-          <p:nvPr>
-            <p:ph type="sldNum" idx="4"/>
-          </p:nvPr>
-        </p:nvSpPr>
-        <p:spPr>
-          <a:xfrm>
-            <a:off x="7004880" y="9465120"/>
-            <a:ext cx="453240" cy="798480"/>
-          </a:xfrm>
-          <a:prstGeom prst="rect">
-            <a:avLst/>
-          </a:prstGeom>
-          <a:noFill/>
-          <a:ln w="0">
-            <a:noFill/>
-          </a:ln>
-        </p:spPr>
-        <p:txBody>
-          <a:bodyPr lIns="91440" rIns="91440" tIns="91440" bIns="91440" anchor="ctr">
-            <a:normAutofit/>
+            <a:noAutofit/>
           </a:bodyPr>
           <a:lstStyle>
             <a:lvl1pPr indent="0" algn="r">
@@ -2579,7 +1753,7 @@
                 <a:tab algn="l" pos="0"/>
               </a:tabLst>
             </a:pPr>
-            <a:fld id="{DF80F846-8632-48E2-B591-B703740849F8}" type="slidenum">
+            <a:fld id="{38BC55D0-6A18-4B07-9C8B-ADD7B4DFE011}" type="slidenum">
               <a:rPr b="0" lang="ru" sz="1000" spc="-1" strike="noStrike">
                 <a:solidFill>
                   <a:schemeClr val="dk2"/>
@@ -2633,7 +1807,7 @@
       </p:grpSpPr>
       <p:sp>
         <p:nvSpPr>
-          <p:cNvPr id="11" name="PlaceHolder 1"/>
+          <p:cNvPr id="8" name="PlaceHolder 1"/>
           <p:cNvSpPr>
             <a:spLocks noGrp="1"/>
           </p:cNvSpPr>
@@ -2643,8 +1817,8 @@
         </p:nvSpPr>
         <p:spPr>
           <a:xfrm>
-            <a:off x="257760" y="903240"/>
-            <a:ext cx="7044120" cy="1162080"/>
+            <a:off x="257760" y="1511280"/>
+            <a:ext cx="7043760" cy="4165560"/>
           </a:xfrm>
           <a:prstGeom prst="rect">
             <a:avLst/>
@@ -2655,15 +1829,15 @@
           </a:ln>
         </p:spPr>
         <p:txBody>
-          <a:bodyPr lIns="91440" rIns="91440" tIns="91440" bIns="91440" anchor="t">
-            <a:normAutofit/>
+          <a:bodyPr lIns="0" rIns="0" tIns="0" bIns="0" anchor="ctr">
+            <a:noAutofit/>
           </a:bodyPr>
           <a:p>
             <a:pPr indent="0">
               <a:buNone/>
             </a:pPr>
             <a:r>
-              <a:rPr b="0" lang="ru-RU" sz="2800" spc="-1" strike="noStrike">
+              <a:rPr b="0" lang="ru-RU" sz="1800" spc="-1" strike="noStrike">
                 <a:solidFill>
                   <a:srgbClr val="000000"/>
                 </a:solidFill>
@@ -2671,7 +1845,7 @@
               </a:rPr>
               <a:t>Для правки текста заглавия щёлкните мышью</a:t>
             </a:r>
-            <a:endParaRPr b="0" lang="ru-RU" sz="2800" spc="-1" strike="noStrike">
+            <a:endParaRPr b="0" lang="ru-RU" sz="1800" spc="-1" strike="noStrike">
               <a:solidFill>
                 <a:srgbClr val="000000"/>
               </a:solidFill>
@@ -2682,7 +1856,7 @@
       </p:sp>
       <p:sp>
         <p:nvSpPr>
-          <p:cNvPr id="12" name="PlaceHolder 2"/>
+          <p:cNvPr id="9" name="PlaceHolder 2"/>
           <p:cNvSpPr>
             <a:spLocks noGrp="1"/>
           </p:cNvSpPr>
@@ -2692,8 +1866,8 @@
         </p:nvSpPr>
         <p:spPr>
           <a:xfrm>
-            <a:off x="257760" y="2339280"/>
-            <a:ext cx="7044120" cy="6934320"/>
+            <a:off x="378000" y="2442960"/>
+            <a:ext cx="6803280" cy="6054480"/>
           </a:xfrm>
           <a:prstGeom prst="rect">
             <a:avLst/>
@@ -2704,7 +1878,7 @@
           </a:ln>
         </p:spPr>
         <p:txBody>
-          <a:bodyPr lIns="91440" rIns="91440" tIns="91440" bIns="91440" anchor="t">
+          <a:bodyPr lIns="0" rIns="0" tIns="0" bIns="0" anchor="t">
             <a:normAutofit/>
           </a:bodyPr>
           <a:p>
@@ -2907,7 +2081,7 @@
       </p:sp>
       <p:sp>
         <p:nvSpPr>
-          <p:cNvPr id="13" name="PlaceHolder 3"/>
+          <p:cNvPr id="10" name="PlaceHolder 3"/>
           <p:cNvSpPr>
             <a:spLocks noGrp="1"/>
           </p:cNvSpPr>
@@ -2918,7 +2092,7 @@
         <p:spPr>
           <a:xfrm>
             <a:off x="7004880" y="9465120"/>
-            <a:ext cx="453240" cy="798480"/>
+            <a:ext cx="452880" cy="798120"/>
           </a:xfrm>
           <a:prstGeom prst="rect">
             <a:avLst/>
@@ -2930,7 +2104,7 @@
         </p:spPr>
         <p:txBody>
           <a:bodyPr lIns="91440" rIns="91440" tIns="91440" bIns="91440" anchor="ctr">
-            <a:normAutofit/>
+            <a:noAutofit/>
           </a:bodyPr>
           <a:lstStyle>
             <a:lvl1pPr indent="0" algn="r">
@@ -2960,7 +2134,7 @@
                 <a:tab algn="l" pos="0"/>
               </a:tabLst>
             </a:pPr>
-            <a:fld id="{5452EC74-BFF0-4562-B2AC-8D19BB7A7D04}" type="slidenum">
+            <a:fld id="{23F554F7-2FC3-492A-966F-1470FB61469C}" type="slidenum">
               <a:rPr b="0" lang="ru" sz="1000" spc="-1" strike="noStrike">
                 <a:solidFill>
                   <a:schemeClr val="dk2"/>
@@ -3014,7 +2188,7 @@
       </p:grpSpPr>
       <p:sp>
         <p:nvSpPr>
-          <p:cNvPr id="16" name="PlaceHolder 1"/>
+          <p:cNvPr id="13" name="PlaceHolder 1"/>
           <p:cNvSpPr>
             <a:spLocks noGrp="1"/>
           </p:cNvSpPr>
@@ -3024,8 +2198,8 @@
         </p:nvSpPr>
         <p:spPr>
           <a:xfrm>
-            <a:off x="257760" y="903240"/>
-            <a:ext cx="7044120" cy="1162080"/>
+            <a:off x="257760" y="1511280"/>
+            <a:ext cx="7043760" cy="4165560"/>
           </a:xfrm>
           <a:prstGeom prst="rect">
             <a:avLst/>
@@ -3036,15 +2210,15 @@
           </a:ln>
         </p:spPr>
         <p:txBody>
-          <a:bodyPr lIns="91440" rIns="91440" tIns="91440" bIns="91440" anchor="t">
-            <a:normAutofit/>
+          <a:bodyPr lIns="0" rIns="0" tIns="0" bIns="0" anchor="ctr">
+            <a:noAutofit/>
           </a:bodyPr>
           <a:p>
             <a:pPr indent="0">
               <a:buNone/>
             </a:pPr>
             <a:r>
-              <a:rPr b="0" lang="ru-RU" sz="2800" spc="-1" strike="noStrike">
+              <a:rPr b="0" lang="ru-RU" sz="1800" spc="-1" strike="noStrike">
                 <a:solidFill>
                   <a:srgbClr val="000000"/>
                 </a:solidFill>
@@ -3052,7 +2226,7 @@
               </a:rPr>
               <a:t>Для правки текста заглавия щёлкните мышью</a:t>
             </a:r>
-            <a:endParaRPr b="0" lang="ru-RU" sz="2800" spc="-1" strike="noStrike">
+            <a:endParaRPr b="0" lang="ru-RU" sz="1800" spc="-1" strike="noStrike">
               <a:solidFill>
                 <a:srgbClr val="000000"/>
               </a:solidFill>
@@ -3063,7 +2237,7 @@
       </p:sp>
       <p:sp>
         <p:nvSpPr>
-          <p:cNvPr id="17" name="PlaceHolder 2"/>
+          <p:cNvPr id="14" name="PlaceHolder 2"/>
           <p:cNvSpPr>
             <a:spLocks noGrp="1"/>
           </p:cNvSpPr>
@@ -3073,8 +2247,8 @@
         </p:nvSpPr>
         <p:spPr>
           <a:xfrm>
-            <a:off x="257760" y="2339280"/>
-            <a:ext cx="3306600" cy="6934320"/>
+            <a:off x="378000" y="2442960"/>
+            <a:ext cx="3319560" cy="6054480"/>
           </a:xfrm>
           <a:prstGeom prst="rect">
             <a:avLst/>
@@ -3085,8 +2259,8 @@
           </a:ln>
         </p:spPr>
         <p:txBody>
-          <a:bodyPr lIns="91440" rIns="91440" tIns="91440" bIns="91440" anchor="t">
-            <a:normAutofit fontScale="80696"/>
+          <a:bodyPr lIns="0" rIns="0" tIns="0" bIns="0" anchor="t">
+            <a:normAutofit fontScale="87222" lnSpcReduction="20000"/>
           </a:bodyPr>
           <a:p>
             <a:pPr marL="432000" indent="-324000">
@@ -3101,7 +2275,7 @@
               <a:buChar char=""/>
             </a:pPr>
             <a:r>
-              <a:rPr b="0" lang="ru-RU" sz="1400" spc="-1" strike="noStrike">
+              <a:rPr b="0" lang="ru-RU" sz="1800" spc="-1" strike="noStrike">
                 <a:solidFill>
                   <a:srgbClr val="000000"/>
                 </a:solidFill>
@@ -3109,7 +2283,7 @@
               </a:rPr>
               <a:t>Для правки структуры щёлкните мышью</a:t>
             </a:r>
-            <a:endParaRPr b="0" lang="ru-RU" sz="1400" spc="-1" strike="noStrike">
+            <a:endParaRPr b="0" lang="ru-RU" sz="1800" spc="-1" strike="noStrike">
               <a:solidFill>
                 <a:srgbClr val="000000"/>
               </a:solidFill>
@@ -3129,7 +2303,7 @@
               <a:buChar char=""/>
             </a:pPr>
             <a:r>
-              <a:rPr b="0" lang="ru-RU" sz="1400" spc="-1" strike="noStrike">
+              <a:rPr b="0" lang="ru-RU" sz="1800" spc="-1" strike="noStrike">
                 <a:solidFill>
                   <a:srgbClr val="000000"/>
                 </a:solidFill>
@@ -3137,7 +2311,7 @@
               </a:rPr>
               <a:t>Второй уровень структуры</a:t>
             </a:r>
-            <a:endParaRPr b="0" lang="ru-RU" sz="1400" spc="-1" strike="noStrike">
+            <a:endParaRPr b="0" lang="ru-RU" sz="1800" spc="-1" strike="noStrike">
               <a:solidFill>
                 <a:srgbClr val="000000"/>
               </a:solidFill>
@@ -3157,7 +2331,7 @@
               <a:buChar char=""/>
             </a:pPr>
             <a:r>
-              <a:rPr b="0" lang="ru-RU" sz="1400" spc="-1" strike="noStrike">
+              <a:rPr b="0" lang="ru-RU" sz="1800" spc="-1" strike="noStrike">
                 <a:solidFill>
                   <a:srgbClr val="000000"/>
                 </a:solidFill>
@@ -3165,7 +2339,7 @@
               </a:rPr>
               <a:t>Третий уровень структуры</a:t>
             </a:r>
-            <a:endParaRPr b="0" lang="ru-RU" sz="1400" spc="-1" strike="noStrike">
+            <a:endParaRPr b="0" lang="ru-RU" sz="1800" spc="-1" strike="noStrike">
               <a:solidFill>
                 <a:srgbClr val="000000"/>
               </a:solidFill>
@@ -3185,7 +2359,7 @@
               <a:buChar char=""/>
             </a:pPr>
             <a:r>
-              <a:rPr b="0" lang="ru-RU" sz="1400" spc="-1" strike="noStrike">
+              <a:rPr b="0" lang="ru-RU" sz="1800" spc="-1" strike="noStrike">
                 <a:solidFill>
                   <a:srgbClr val="000000"/>
                 </a:solidFill>
@@ -3193,7 +2367,7 @@
               </a:rPr>
               <a:t>Четвёртый уровень структуры</a:t>
             </a:r>
-            <a:endParaRPr b="0" lang="ru-RU" sz="1400" spc="-1" strike="noStrike">
+            <a:endParaRPr b="0" lang="ru-RU" sz="1800" spc="-1" strike="noStrike">
               <a:solidFill>
                 <a:srgbClr val="000000"/>
               </a:solidFill>
@@ -3213,7 +2387,7 @@
               <a:buChar char=""/>
             </a:pPr>
             <a:r>
-              <a:rPr b="0" lang="ru-RU" sz="1400" spc="-1" strike="noStrike">
+              <a:rPr b="0" lang="ru-RU" sz="1800" spc="-1" strike="noStrike">
                 <a:solidFill>
                   <a:srgbClr val="000000"/>
                 </a:solidFill>
@@ -3221,7 +2395,7 @@
               </a:rPr>
               <a:t>Пятый уровень структуры</a:t>
             </a:r>
-            <a:endParaRPr b="0" lang="ru-RU" sz="1400" spc="-1" strike="noStrike">
+            <a:endParaRPr b="0" lang="ru-RU" sz="1800" spc="-1" strike="noStrike">
               <a:solidFill>
                 <a:srgbClr val="000000"/>
               </a:solidFill>
@@ -3241,7 +2415,7 @@
               <a:buChar char=""/>
             </a:pPr>
             <a:r>
-              <a:rPr b="0" lang="ru-RU" sz="1400" spc="-1" strike="noStrike">
+              <a:rPr b="0" lang="ru-RU" sz="1800" spc="-1" strike="noStrike">
                 <a:solidFill>
                   <a:srgbClr val="000000"/>
                 </a:solidFill>
@@ -3249,7 +2423,7 @@
               </a:rPr>
               <a:t>Шестой уровень структуры</a:t>
             </a:r>
-            <a:endParaRPr b="0" lang="ru-RU" sz="1400" spc="-1" strike="noStrike">
+            <a:endParaRPr b="0" lang="ru-RU" sz="1800" spc="-1" strike="noStrike">
               <a:solidFill>
                 <a:srgbClr val="000000"/>
               </a:solidFill>
@@ -3269,7 +2443,7 @@
               <a:buChar char=""/>
             </a:pPr>
             <a:r>
-              <a:rPr b="0" lang="ru-RU" sz="1400" spc="-1" strike="noStrike">
+              <a:rPr b="0" lang="ru-RU" sz="1800" spc="-1" strike="noStrike">
                 <a:solidFill>
                   <a:srgbClr val="000000"/>
                 </a:solidFill>
@@ -3277,7 +2451,7 @@
               </a:rPr>
               <a:t>Седьмой уровень структуры</a:t>
             </a:r>
-            <a:endParaRPr b="0" lang="ru-RU" sz="1400" spc="-1" strike="noStrike">
+            <a:endParaRPr b="0" lang="ru-RU" sz="1800" spc="-1" strike="noStrike">
               <a:solidFill>
                 <a:srgbClr val="000000"/>
               </a:solidFill>
@@ -3288,7 +2462,7 @@
       </p:sp>
       <p:sp>
         <p:nvSpPr>
-          <p:cNvPr id="18" name="PlaceHolder 3"/>
+          <p:cNvPr id="15" name="PlaceHolder 3"/>
           <p:cNvSpPr>
             <a:spLocks noGrp="1"/>
           </p:cNvSpPr>
@@ -3298,8 +2472,8 @@
         </p:nvSpPr>
         <p:spPr>
           <a:xfrm>
-            <a:off x="3995280" y="2339280"/>
-            <a:ext cx="3306600" cy="6934320"/>
+            <a:off x="3864240" y="2442960"/>
+            <a:ext cx="3319560" cy="6054480"/>
           </a:xfrm>
           <a:prstGeom prst="rect">
             <a:avLst/>
@@ -3310,8 +2484,8 @@
           </a:ln>
         </p:spPr>
         <p:txBody>
-          <a:bodyPr lIns="91440" rIns="91440" tIns="91440" bIns="91440" anchor="t">
-            <a:normAutofit fontScale="80696"/>
+          <a:bodyPr lIns="0" rIns="0" tIns="0" bIns="0" anchor="t">
+            <a:normAutofit fontScale="87222" lnSpcReduction="20000"/>
           </a:bodyPr>
           <a:p>
             <a:pPr marL="432000" indent="-324000">
@@ -3326,7 +2500,7 @@
               <a:buChar char=""/>
             </a:pPr>
             <a:r>
-              <a:rPr b="0" lang="ru-RU" sz="1400" spc="-1" strike="noStrike">
+              <a:rPr b="0" lang="ru-RU" sz="1800" spc="-1" strike="noStrike">
                 <a:solidFill>
                   <a:srgbClr val="000000"/>
                 </a:solidFill>
@@ -3334,7 +2508,7 @@
               </a:rPr>
               <a:t>Для правки структуры щёлкните мышью</a:t>
             </a:r>
-            <a:endParaRPr b="0" lang="ru-RU" sz="1400" spc="-1" strike="noStrike">
+            <a:endParaRPr b="0" lang="ru-RU" sz="1800" spc="-1" strike="noStrike">
               <a:solidFill>
                 <a:srgbClr val="000000"/>
               </a:solidFill>
@@ -3354,7 +2528,7 @@
               <a:buChar char=""/>
             </a:pPr>
             <a:r>
-              <a:rPr b="0" lang="ru-RU" sz="1400" spc="-1" strike="noStrike">
+              <a:rPr b="0" lang="ru-RU" sz="1800" spc="-1" strike="noStrike">
                 <a:solidFill>
                   <a:srgbClr val="000000"/>
                 </a:solidFill>
@@ -3362,7 +2536,7 @@
               </a:rPr>
               <a:t>Второй уровень структуры</a:t>
             </a:r>
-            <a:endParaRPr b="0" lang="ru-RU" sz="1400" spc="-1" strike="noStrike">
+            <a:endParaRPr b="0" lang="ru-RU" sz="1800" spc="-1" strike="noStrike">
               <a:solidFill>
                 <a:srgbClr val="000000"/>
               </a:solidFill>
@@ -3382,7 +2556,7 @@
               <a:buChar char=""/>
             </a:pPr>
             <a:r>
-              <a:rPr b="0" lang="ru-RU" sz="1400" spc="-1" strike="noStrike">
+              <a:rPr b="0" lang="ru-RU" sz="1800" spc="-1" strike="noStrike">
                 <a:solidFill>
                   <a:srgbClr val="000000"/>
                 </a:solidFill>
@@ -3390,7 +2564,7 @@
               </a:rPr>
               <a:t>Третий уровень структуры</a:t>
             </a:r>
-            <a:endParaRPr b="0" lang="ru-RU" sz="1400" spc="-1" strike="noStrike">
+            <a:endParaRPr b="0" lang="ru-RU" sz="1800" spc="-1" strike="noStrike">
               <a:solidFill>
                 <a:srgbClr val="000000"/>
               </a:solidFill>
@@ -3410,7 +2584,7 @@
               <a:buChar char=""/>
             </a:pPr>
             <a:r>
-              <a:rPr b="0" lang="ru-RU" sz="1400" spc="-1" strike="noStrike">
+              <a:rPr b="0" lang="ru-RU" sz="1800" spc="-1" strike="noStrike">
                 <a:solidFill>
                   <a:srgbClr val="000000"/>
                 </a:solidFill>
@@ -3418,7 +2592,7 @@
               </a:rPr>
               <a:t>Четвёртый уровень структуры</a:t>
             </a:r>
-            <a:endParaRPr b="0" lang="ru-RU" sz="1400" spc="-1" strike="noStrike">
+            <a:endParaRPr b="0" lang="ru-RU" sz="1800" spc="-1" strike="noStrike">
               <a:solidFill>
                 <a:srgbClr val="000000"/>
               </a:solidFill>
@@ -3438,7 +2612,7 @@
               <a:buChar char=""/>
             </a:pPr>
             <a:r>
-              <a:rPr b="0" lang="ru-RU" sz="1400" spc="-1" strike="noStrike">
+              <a:rPr b="0" lang="ru-RU" sz="1800" spc="-1" strike="noStrike">
                 <a:solidFill>
                   <a:srgbClr val="000000"/>
                 </a:solidFill>
@@ -3446,7 +2620,7 @@
               </a:rPr>
               <a:t>Пятый уровень структуры</a:t>
             </a:r>
-            <a:endParaRPr b="0" lang="ru-RU" sz="1400" spc="-1" strike="noStrike">
+            <a:endParaRPr b="0" lang="ru-RU" sz="1800" spc="-1" strike="noStrike">
               <a:solidFill>
                 <a:srgbClr val="000000"/>
               </a:solidFill>
@@ -3466,7 +2640,7 @@
               <a:buChar char=""/>
             </a:pPr>
             <a:r>
-              <a:rPr b="0" lang="ru-RU" sz="1400" spc="-1" strike="noStrike">
+              <a:rPr b="0" lang="ru-RU" sz="1800" spc="-1" strike="noStrike">
                 <a:solidFill>
                   <a:srgbClr val="000000"/>
                 </a:solidFill>
@@ -3474,7 +2648,7 @@
               </a:rPr>
               <a:t>Шестой уровень структуры</a:t>
             </a:r>
-            <a:endParaRPr b="0" lang="ru-RU" sz="1400" spc="-1" strike="noStrike">
+            <a:endParaRPr b="0" lang="ru-RU" sz="1800" spc="-1" strike="noStrike">
               <a:solidFill>
                 <a:srgbClr val="000000"/>
               </a:solidFill>
@@ -3494,7 +2668,7 @@
               <a:buChar char=""/>
             </a:pPr>
             <a:r>
-              <a:rPr b="0" lang="ru-RU" sz="1400" spc="-1" strike="noStrike">
+              <a:rPr b="0" lang="ru-RU" sz="1800" spc="-1" strike="noStrike">
                 <a:solidFill>
                   <a:srgbClr val="000000"/>
                 </a:solidFill>
@@ -3502,7 +2676,7 @@
               </a:rPr>
               <a:t>Седьмой уровень структуры</a:t>
             </a:r>
-            <a:endParaRPr b="0" lang="ru-RU" sz="1400" spc="-1" strike="noStrike">
+            <a:endParaRPr b="0" lang="ru-RU" sz="1800" spc="-1" strike="noStrike">
               <a:solidFill>
                 <a:srgbClr val="000000"/>
               </a:solidFill>
@@ -3513,7 +2687,7 @@
       </p:sp>
       <p:sp>
         <p:nvSpPr>
-          <p:cNvPr id="19" name="PlaceHolder 4"/>
+          <p:cNvPr id="16" name="PlaceHolder 4"/>
           <p:cNvSpPr>
             <a:spLocks noGrp="1"/>
           </p:cNvSpPr>
@@ -3524,7 +2698,7 @@
         <p:spPr>
           <a:xfrm>
             <a:off x="7004880" y="9465120"/>
-            <a:ext cx="453240" cy="798480"/>
+            <a:ext cx="452880" cy="798120"/>
           </a:xfrm>
           <a:prstGeom prst="rect">
             <a:avLst/>
@@ -3536,7 +2710,7 @@
         </p:spPr>
         <p:txBody>
           <a:bodyPr lIns="91440" rIns="91440" tIns="91440" bIns="91440" anchor="ctr">
-            <a:normAutofit/>
+            <a:noAutofit/>
           </a:bodyPr>
           <a:lstStyle>
             <a:lvl1pPr indent="0" algn="r">
@@ -3566,7 +2740,7 @@
                 <a:tab algn="l" pos="0"/>
               </a:tabLst>
             </a:pPr>
-            <a:fld id="{52834B7C-EC4F-46C0-A8A0-F76030C673F9}" type="slidenum">
+            <a:fld id="{BA719288-639D-44CF-8FA1-B837E79B6FC4}" type="slidenum">
               <a:rPr b="0" lang="ru" sz="1000" spc="-1" strike="noStrike">
                 <a:solidFill>
                   <a:schemeClr val="dk2"/>
@@ -3620,7 +2794,7 @@
       </p:grpSpPr>
       <p:sp>
         <p:nvSpPr>
-          <p:cNvPr id="23" name="PlaceHolder 1"/>
+          <p:cNvPr id="20" name="PlaceHolder 1"/>
           <p:cNvSpPr>
             <a:spLocks noGrp="1"/>
           </p:cNvSpPr>
@@ -3630,8 +2804,8 @@
         </p:nvSpPr>
         <p:spPr>
           <a:xfrm>
-            <a:off x="257760" y="903240"/>
-            <a:ext cx="7044120" cy="1162080"/>
+            <a:off x="257760" y="1511280"/>
+            <a:ext cx="7043760" cy="4165560"/>
           </a:xfrm>
           <a:prstGeom prst="rect">
             <a:avLst/>
@@ -3642,15 +2816,15 @@
           </a:ln>
         </p:spPr>
         <p:txBody>
-          <a:bodyPr lIns="91440" rIns="91440" tIns="91440" bIns="91440" anchor="t">
-            <a:normAutofit/>
+          <a:bodyPr lIns="0" rIns="0" tIns="0" bIns="0" anchor="ctr">
+            <a:noAutofit/>
           </a:bodyPr>
           <a:p>
             <a:pPr indent="0">
               <a:buNone/>
             </a:pPr>
             <a:r>
-              <a:rPr b="0" lang="ru-RU" sz="2800" spc="-1" strike="noStrike">
+              <a:rPr b="0" lang="ru-RU" sz="1800" spc="-1" strike="noStrike">
                 <a:solidFill>
                   <a:srgbClr val="000000"/>
                 </a:solidFill>
@@ -3658,7 +2832,7 @@
               </a:rPr>
               <a:t>Для правки текста заглавия щёлкните мышью</a:t>
             </a:r>
-            <a:endParaRPr b="0" lang="ru-RU" sz="2800" spc="-1" strike="noStrike">
+            <a:endParaRPr b="0" lang="ru-RU" sz="1800" spc="-1" strike="noStrike">
               <a:solidFill>
                 <a:srgbClr val="000000"/>
               </a:solidFill>
@@ -3669,7 +2843,7 @@
       </p:sp>
       <p:sp>
         <p:nvSpPr>
-          <p:cNvPr id="24" name="PlaceHolder 2"/>
+          <p:cNvPr id="21" name="PlaceHolder 2"/>
           <p:cNvSpPr>
             <a:spLocks noGrp="1"/>
           </p:cNvSpPr>
@@ -3680,7 +2854,7 @@
         <p:spPr>
           <a:xfrm>
             <a:off x="7004880" y="9465120"/>
-            <a:ext cx="453240" cy="798480"/>
+            <a:ext cx="452880" cy="798120"/>
           </a:xfrm>
           <a:prstGeom prst="rect">
             <a:avLst/>
@@ -3692,7 +2866,7 @@
         </p:spPr>
         <p:txBody>
           <a:bodyPr lIns="91440" rIns="91440" tIns="91440" bIns="91440" anchor="ctr">
-            <a:normAutofit/>
+            <a:noAutofit/>
           </a:bodyPr>
           <a:lstStyle>
             <a:lvl1pPr indent="0" algn="r">
@@ -3722,7 +2896,7 @@
                 <a:tab algn="l" pos="0"/>
               </a:tabLst>
             </a:pPr>
-            <a:fld id="{C4C8FFF7-CB4F-432A-8130-653D7612EF7E}" type="slidenum">
+            <a:fld id="{8822F5EE-1ABD-4723-B1D2-0591F3CD2B72}" type="slidenum">
               <a:rPr b="0" lang="ru" sz="1000" spc="-1" strike="noStrike">
                 <a:solidFill>
                   <a:schemeClr val="dk2"/>
@@ -3776,281 +2950,7 @@
       </p:grpSpPr>
       <p:sp>
         <p:nvSpPr>
-          <p:cNvPr id="26" name="PlaceHolder 1"/>
-          <p:cNvSpPr>
-            <a:spLocks noGrp="1"/>
-          </p:cNvSpPr>
-          <p:nvPr>
-            <p:ph type="title"/>
-          </p:nvPr>
-        </p:nvSpPr>
-        <p:spPr>
-          <a:xfrm>
-            <a:off x="257760" y="1127880"/>
-            <a:ext cx="2321280" cy="1533600"/>
-          </a:xfrm>
-          <a:prstGeom prst="rect">
-            <a:avLst/>
-          </a:prstGeom>
-          <a:noFill/>
-          <a:ln w="0">
-            <a:noFill/>
-          </a:ln>
-        </p:spPr>
-        <p:txBody>
-          <a:bodyPr lIns="91440" rIns="91440" tIns="91440" bIns="91440" anchor="b">
-            <a:normAutofit fontScale="93713"/>
-          </a:bodyPr>
-          <a:p>
-            <a:pPr indent="0">
-              <a:buNone/>
-            </a:pPr>
-            <a:r>
-              <a:rPr b="0" lang="ru-RU" sz="2400" spc="-1" strike="noStrike">
-                <a:solidFill>
-                  <a:srgbClr val="000000"/>
-                </a:solidFill>
-                <a:latin typeface="Arial"/>
-              </a:rPr>
-              <a:t>Для правки текста заглавия щёлкните мышью</a:t>
-            </a:r>
-            <a:endParaRPr b="0" lang="ru-RU" sz="2400" spc="-1" strike="noStrike">
-              <a:solidFill>
-                <a:srgbClr val="000000"/>
-              </a:solidFill>
-              <a:latin typeface="Arial"/>
-            </a:endParaRPr>
-          </a:p>
-        </p:txBody>
-      </p:sp>
-      <p:sp>
-        <p:nvSpPr>
-          <p:cNvPr id="27" name="PlaceHolder 2"/>
-          <p:cNvSpPr>
-            <a:spLocks noGrp="1"/>
-          </p:cNvSpPr>
-          <p:nvPr>
-            <p:ph type="body"/>
-          </p:nvPr>
-        </p:nvSpPr>
-        <p:spPr>
-          <a:xfrm>
-            <a:off x="257760" y="2820600"/>
-            <a:ext cx="2321280" cy="6453000"/>
-          </a:xfrm>
-          <a:prstGeom prst="rect">
-            <a:avLst/>
-          </a:prstGeom>
-          <a:noFill/>
-          <a:ln w="0">
-            <a:noFill/>
-          </a:ln>
-        </p:spPr>
-        <p:txBody>
-          <a:bodyPr lIns="91440" rIns="91440" tIns="91440" bIns="91440" anchor="t">
-            <a:normAutofit fontScale="49205" lnSpcReduction="20000"/>
-          </a:bodyPr>
-          <a:p>
-            <a:pPr marL="432000" indent="-324000">
-              <a:spcBef>
-                <a:spcPts val="1417"/>
-              </a:spcBef>
-              <a:buClr>
-                <a:srgbClr val="000000"/>
-              </a:buClr>
-              <a:buSzPct val="45000"/>
-              <a:buFont typeface="Wingdings" charset="2"/>
-              <a:buChar char=""/>
-            </a:pPr>
-            <a:r>
-              <a:rPr b="0" lang="ru-RU" sz="1200" spc="-1" strike="noStrike">
-                <a:solidFill>
-                  <a:srgbClr val="000000"/>
-                </a:solidFill>
-                <a:latin typeface="Arial"/>
-              </a:rPr>
-              <a:t>Для правки структуры щёлкните мышью</a:t>
-            </a:r>
-            <a:endParaRPr b="0" lang="ru-RU" sz="1200" spc="-1" strike="noStrike">
-              <a:solidFill>
-                <a:srgbClr val="000000"/>
-              </a:solidFill>
-              <a:latin typeface="Arial"/>
-            </a:endParaRPr>
-          </a:p>
-          <a:p>
-            <a:pPr lvl="1" marL="864000" indent="-324000">
-              <a:spcBef>
-                <a:spcPts val="1134"/>
-              </a:spcBef>
-              <a:buClr>
-                <a:srgbClr val="000000"/>
-              </a:buClr>
-              <a:buSzPct val="75000"/>
-              <a:buFont typeface="Symbol" charset="2"/>
-              <a:buChar char=""/>
-            </a:pPr>
-            <a:r>
-              <a:rPr b="0" lang="ru-RU" sz="1200" spc="-1" strike="noStrike">
-                <a:solidFill>
-                  <a:srgbClr val="000000"/>
-                </a:solidFill>
-                <a:latin typeface="Arial"/>
-              </a:rPr>
-              <a:t>Второй уровень структуры</a:t>
-            </a:r>
-            <a:endParaRPr b="0" lang="ru-RU" sz="1200" spc="-1" strike="noStrike">
-              <a:solidFill>
-                <a:srgbClr val="000000"/>
-              </a:solidFill>
-              <a:latin typeface="Arial"/>
-            </a:endParaRPr>
-          </a:p>
-          <a:p>
-            <a:pPr lvl="2" marL="1296000" indent="-288000">
-              <a:spcBef>
-                <a:spcPts val="850"/>
-              </a:spcBef>
-              <a:buClr>
-                <a:srgbClr val="000000"/>
-              </a:buClr>
-              <a:buSzPct val="45000"/>
-              <a:buFont typeface="Wingdings" charset="2"/>
-              <a:buChar char=""/>
-            </a:pPr>
-            <a:r>
-              <a:rPr b="0" lang="ru-RU" sz="1200" spc="-1" strike="noStrike">
-                <a:solidFill>
-                  <a:srgbClr val="000000"/>
-                </a:solidFill>
-                <a:latin typeface="Arial"/>
-              </a:rPr>
-              <a:t>Третий уровень структуры</a:t>
-            </a:r>
-            <a:endParaRPr b="0" lang="ru-RU" sz="1200" spc="-1" strike="noStrike">
-              <a:solidFill>
-                <a:srgbClr val="000000"/>
-              </a:solidFill>
-              <a:latin typeface="Arial"/>
-            </a:endParaRPr>
-          </a:p>
-          <a:p>
-            <a:pPr lvl="3" marL="1728000" indent="-216000">
-              <a:spcBef>
-                <a:spcPts val="567"/>
-              </a:spcBef>
-              <a:buClr>
-                <a:srgbClr val="000000"/>
-              </a:buClr>
-              <a:buSzPct val="75000"/>
-              <a:buFont typeface="Symbol" charset="2"/>
-              <a:buChar char=""/>
-            </a:pPr>
-            <a:r>
-              <a:rPr b="0" lang="ru-RU" sz="1200" spc="-1" strike="noStrike">
-                <a:solidFill>
-                  <a:srgbClr val="000000"/>
-                </a:solidFill>
-                <a:latin typeface="Arial"/>
-              </a:rPr>
-              <a:t>Четвёртый уровень структуры</a:t>
-            </a:r>
-            <a:endParaRPr b="0" lang="ru-RU" sz="1200" spc="-1" strike="noStrike">
-              <a:solidFill>
-                <a:srgbClr val="000000"/>
-              </a:solidFill>
-              <a:latin typeface="Arial"/>
-            </a:endParaRPr>
-          </a:p>
-          <a:p>
-            <a:pPr lvl="4" marL="2160000" indent="-216000">
-              <a:spcBef>
-                <a:spcPts val="283"/>
-              </a:spcBef>
-              <a:buClr>
-                <a:srgbClr val="000000"/>
-              </a:buClr>
-              <a:buSzPct val="45000"/>
-              <a:buFont typeface="Wingdings" charset="2"/>
-              <a:buChar char=""/>
-            </a:pPr>
-            <a:r>
-              <a:rPr b="0" lang="ru-RU" sz="1200" spc="-1" strike="noStrike">
-                <a:solidFill>
-                  <a:srgbClr val="000000"/>
-                </a:solidFill>
-                <a:latin typeface="Arial"/>
-              </a:rPr>
-              <a:t>Пятый уровень структуры</a:t>
-            </a:r>
-            <a:endParaRPr b="0" lang="ru-RU" sz="1200" spc="-1" strike="noStrike">
-              <a:solidFill>
-                <a:srgbClr val="000000"/>
-              </a:solidFill>
-              <a:latin typeface="Arial"/>
-            </a:endParaRPr>
-          </a:p>
-          <a:p>
-            <a:pPr lvl="5" marL="2592000" indent="-216000">
-              <a:spcBef>
-                <a:spcPts val="283"/>
-              </a:spcBef>
-              <a:buClr>
-                <a:srgbClr val="000000"/>
-              </a:buClr>
-              <a:buSzPct val="45000"/>
-              <a:buFont typeface="Wingdings" charset="2"/>
-              <a:buChar char=""/>
-            </a:pPr>
-            <a:r>
-              <a:rPr b="0" lang="ru-RU" sz="1200" spc="-1" strike="noStrike">
-                <a:solidFill>
-                  <a:srgbClr val="000000"/>
-                </a:solidFill>
-                <a:latin typeface="Arial"/>
-              </a:rPr>
-              <a:t>Шестой уровень структуры</a:t>
-            </a:r>
-            <a:endParaRPr b="0" lang="ru-RU" sz="1200" spc="-1" strike="noStrike">
-              <a:solidFill>
-                <a:srgbClr val="000000"/>
-              </a:solidFill>
-              <a:latin typeface="Arial"/>
-            </a:endParaRPr>
-          </a:p>
-          <a:p>
-            <a:pPr lvl="6" marL="3024000" indent="-216000">
-              <a:spcBef>
-                <a:spcPts val="283"/>
-              </a:spcBef>
-              <a:buClr>
-                <a:srgbClr val="000000"/>
-              </a:buClr>
-              <a:buSzPct val="45000"/>
-              <a:buFont typeface="Wingdings" charset="2"/>
-              <a:buChar char=""/>
-            </a:pPr>
-            <a:r>
-              <a:rPr b="0" lang="ru-RU" sz="1200" spc="-1" strike="noStrike">
-                <a:solidFill>
-                  <a:srgbClr val="000000"/>
-                </a:solidFill>
-                <a:latin typeface="Arial"/>
-              </a:rPr>
-              <a:t>Седьмой уровень структуры</a:t>
-            </a:r>
-            <a:endParaRPr b="0" lang="ru-RU" sz="1200" spc="-1" strike="noStrike">
-              <a:solidFill>
-                <a:srgbClr val="000000"/>
-              </a:solidFill>
-              <a:latin typeface="Arial"/>
-            </a:endParaRPr>
-          </a:p>
-        </p:txBody>
-      </p:sp>
-      <p:sp>
-        <p:nvSpPr>
-          <p:cNvPr id="28" name="PlaceHolder 3"/>
+          <p:cNvPr id="23" name="PlaceHolder 1"/>
           <p:cNvSpPr>
             <a:spLocks noGrp="1"/>
           </p:cNvSpPr>
@@ -4061,7 +2961,7 @@
         <p:spPr>
           <a:xfrm>
             <a:off x="7004880" y="9465120"/>
-            <a:ext cx="453240" cy="798480"/>
+            <a:ext cx="452880" cy="798120"/>
           </a:xfrm>
           <a:prstGeom prst="rect">
             <a:avLst/>
@@ -4073,7 +2973,7 @@
         </p:spPr>
         <p:txBody>
           <a:bodyPr lIns="91440" rIns="91440" tIns="91440" bIns="91440" anchor="ctr">
-            <a:normAutofit/>
+            <a:noAutofit/>
           </a:bodyPr>
           <a:lstStyle>
             <a:lvl1pPr indent="0" algn="r">
@@ -4103,7 +3003,7 @@
                 <a:tab algn="l" pos="0"/>
               </a:tabLst>
             </a:pPr>
-            <a:fld id="{98299976-7E72-477D-886E-1B92E5E8851E}" type="slidenum">
+            <a:fld id="{212F943F-6822-43B4-A256-B853859E75F3}" type="slidenum">
               <a:rPr b="0" lang="ru" sz="1000" spc="-1" strike="noStrike">
                 <a:solidFill>
                   <a:schemeClr val="dk2"/>
@@ -4157,18 +3057,18 @@
       </p:grpSpPr>
       <p:sp>
         <p:nvSpPr>
-          <p:cNvPr id="29" name="PlaceHolder 1"/>
+          <p:cNvPr id="24" name="PlaceHolder 1"/>
           <p:cNvSpPr>
             <a:spLocks noGrp="1"/>
           </p:cNvSpPr>
           <p:nvPr>
-            <p:ph type="title"/>
+            <p:ph type="sldNum" idx="9"/>
           </p:nvPr>
         </p:nvSpPr>
         <p:spPr>
           <a:xfrm>
-            <a:off x="405360" y="913680"/>
-            <a:ext cx="5264280" cy="8303040"/>
+            <a:off x="7004880" y="9465120"/>
+            <a:ext cx="452880" cy="798120"/>
           </a:xfrm>
           <a:prstGeom prst="rect">
             <a:avLst/>
@@ -4180,56 +3080,7 @@
         </p:spPr>
         <p:txBody>
           <a:bodyPr lIns="91440" rIns="91440" tIns="91440" bIns="91440" anchor="ctr">
-            <a:normAutofit/>
-          </a:bodyPr>
-          <a:p>
-            <a:pPr indent="0">
-              <a:buNone/>
-            </a:pPr>
-            <a:r>
-              <a:rPr b="0" lang="ru-RU" sz="4800" spc="-1" strike="noStrike">
-                <a:solidFill>
-                  <a:srgbClr val="000000"/>
-                </a:solidFill>
-                <a:latin typeface="Arial"/>
-              </a:rPr>
-              <a:t>Для правки текста заглавия щёлкните мышью</a:t>
-            </a:r>
-            <a:endParaRPr b="0" lang="ru-RU" sz="4800" spc="-1" strike="noStrike">
-              <a:solidFill>
-                <a:srgbClr val="000000"/>
-              </a:solidFill>
-              <a:latin typeface="Arial"/>
-            </a:endParaRPr>
-          </a:p>
-        </p:txBody>
-      </p:sp>
-      <p:sp>
-        <p:nvSpPr>
-          <p:cNvPr id="30" name="PlaceHolder 2"/>
-          <p:cNvSpPr>
-            <a:spLocks noGrp="1"/>
-          </p:cNvSpPr>
-          <p:nvPr>
-            <p:ph type="sldNum" idx="9"/>
-          </p:nvPr>
-        </p:nvSpPr>
-        <p:spPr>
-          <a:xfrm>
-            <a:off x="7004880" y="9465120"/>
-            <a:ext cx="453240" cy="798480"/>
-          </a:xfrm>
-          <a:prstGeom prst="rect">
-            <a:avLst/>
-          </a:prstGeom>
-          <a:noFill/>
-          <a:ln w="0">
-            <a:noFill/>
-          </a:ln>
-        </p:spPr>
-        <p:txBody>
-          <a:bodyPr lIns="91440" rIns="91440" tIns="91440" bIns="91440" anchor="ctr">
-            <a:normAutofit/>
+            <a:noAutofit/>
           </a:bodyPr>
           <a:lstStyle>
             <a:lvl1pPr indent="0" algn="r">
@@ -4259,7 +3110,7 @@
                 <a:tab algn="l" pos="0"/>
               </a:tabLst>
             </a:pPr>
-            <a:fld id="{CD15C0BF-79CD-4199-A328-51CF06EEED2B}" type="slidenum">
+            <a:fld id="{D3B26A3D-1302-4051-8BC6-DDC359C4DB14}" type="slidenum">
               <a:rPr b="0" lang="ru" sz="1000" spc="-1" strike="noStrike">
                 <a:solidFill>
                   <a:schemeClr val="dk2"/>
@@ -4306,14 +3157,14 @@
       </p:grpSpPr>
       <p:sp>
         <p:nvSpPr>
-          <p:cNvPr id="37" name="Google Shape;54;p13"/>
+          <p:cNvPr id="28" name="Google Shape;54;p13"/>
           <p:cNvSpPr/>
           <p:nvPr/>
         </p:nvSpPr>
         <p:spPr>
           <a:xfrm>
             <a:off x="360000" y="329760"/>
-            <a:ext cx="6839640" cy="2493000"/>
+            <a:ext cx="6839280" cy="2492640"/>
           </a:xfrm>
           <a:prstGeom prst="roundRect">
             <a:avLst>
@@ -4342,7 +3193,7 @@
           <a:fontRef idx="minor"/>
         </p:style>
         <p:txBody>
-          <a:bodyPr tIns="91440" bIns="91440" anchor="ctr">
+          <a:bodyPr lIns="90000" rIns="90000" tIns="91440" bIns="91440" anchor="ctr">
             <a:noAutofit/>
           </a:bodyPr>
           <a:p>
@@ -4427,14 +3278,14 @@
       </p:sp>
       <p:sp>
         <p:nvSpPr>
-          <p:cNvPr id="38" name="Google Shape;55;p13"/>
+          <p:cNvPr id="29" name="Google Shape;55;p13"/>
           <p:cNvSpPr/>
           <p:nvPr/>
         </p:nvSpPr>
         <p:spPr>
           <a:xfrm>
             <a:off x="284760" y="3332520"/>
-            <a:ext cx="6839640" cy="761760"/>
+            <a:ext cx="6839280" cy="761400"/>
           </a:xfrm>
           <a:prstGeom prst="rect">
             <a:avLst/>
@@ -4451,7 +3302,7 @@
           <a:fontRef idx="minor"/>
         </p:style>
         <p:txBody>
-          <a:bodyPr tIns="91440" bIns="91440" anchor="t">
+          <a:bodyPr lIns="90000" rIns="90000" tIns="91440" bIns="91440" anchor="t">
             <a:noAutofit/>
           </a:bodyPr>
           <a:p>
@@ -4494,14 +3345,14 @@
       </p:sp>
       <p:sp>
         <p:nvSpPr>
-          <p:cNvPr id="39" name="Google Shape;56;p13"/>
+          <p:cNvPr id="30" name="Google Shape;56;p13"/>
           <p:cNvSpPr/>
           <p:nvPr/>
         </p:nvSpPr>
         <p:spPr>
           <a:xfrm>
             <a:off x="264600" y="4442400"/>
-            <a:ext cx="6741360" cy="454680"/>
+            <a:ext cx="6741000" cy="454320"/>
           </a:xfrm>
           <a:prstGeom prst="rect">
             <a:avLst/>
@@ -4518,7 +3369,7 @@
           <a:fontRef idx="minor"/>
         </p:style>
         <p:txBody>
-          <a:bodyPr tIns="91440" bIns="91440" anchor="t">
+          <a:bodyPr lIns="90000" rIns="90000" tIns="91440" bIns="91440" anchor="t">
             <a:noAutofit/>
           </a:bodyPr>
           <a:p>
@@ -4551,7 +3402,7 @@
       </p:sp>
       <p:pic>
         <p:nvPicPr>
-          <p:cNvPr id="40" name="Google Shape;57;p13" descr=""/>
+          <p:cNvPr id="31" name="Google Shape;57;p13" descr=""/>
           <p:cNvPicPr/>
           <p:nvPr/>
         </p:nvPicPr>
@@ -4562,7 +3413,7 @@
         <p:spPr>
           <a:xfrm>
             <a:off x="360000" y="5018040"/>
-            <a:ext cx="613440" cy="613440"/>
+            <a:ext cx="613080" cy="613080"/>
           </a:xfrm>
           <a:prstGeom prst="rect">
             <a:avLst/>
@@ -4574,7 +3425,7 @@
       </p:pic>
       <p:pic>
         <p:nvPicPr>
-          <p:cNvPr id="41" name="Google Shape;58;p13" descr=""/>
+          <p:cNvPr id="32" name="Google Shape;58;p13" descr=""/>
           <p:cNvPicPr/>
           <p:nvPr/>
         </p:nvPicPr>
@@ -4585,7 +3436,7 @@
         <p:spPr>
           <a:xfrm>
             <a:off x="360000" y="5796720"/>
-            <a:ext cx="613440" cy="613440"/>
+            <a:ext cx="613080" cy="613080"/>
           </a:xfrm>
           <a:prstGeom prst="rect">
             <a:avLst/>
@@ -4597,7 +3448,7 @@
       </p:pic>
       <p:pic>
         <p:nvPicPr>
-          <p:cNvPr id="42" name="Google Shape;59;p13" descr=""/>
+          <p:cNvPr id="33" name="Google Shape;59;p13" descr=""/>
           <p:cNvPicPr/>
           <p:nvPr/>
         </p:nvPicPr>
@@ -4608,7 +3459,7 @@
         <p:spPr>
           <a:xfrm>
             <a:off x="3825000" y="5018040"/>
-            <a:ext cx="613440" cy="613440"/>
+            <a:ext cx="613080" cy="613080"/>
           </a:xfrm>
           <a:prstGeom prst="rect">
             <a:avLst/>
@@ -4620,7 +3471,7 @@
       </p:pic>
       <p:pic>
         <p:nvPicPr>
-          <p:cNvPr id="43" name="Google Shape;60;p13" descr=""/>
+          <p:cNvPr id="34" name="Google Shape;60;p13" descr=""/>
           <p:cNvPicPr/>
           <p:nvPr/>
         </p:nvPicPr>
@@ -4631,7 +3482,7 @@
         <p:spPr>
           <a:xfrm>
             <a:off x="3825000" y="5838120"/>
-            <a:ext cx="613440" cy="613440"/>
+            <a:ext cx="613080" cy="613080"/>
           </a:xfrm>
           <a:prstGeom prst="rect">
             <a:avLst/>
@@ -4643,14 +3494,14 @@
       </p:pic>
       <p:sp>
         <p:nvSpPr>
-          <p:cNvPr id="44" name="Google Shape;61;p13"/>
+          <p:cNvPr id="35" name="Google Shape;61;p13"/>
           <p:cNvSpPr/>
           <p:nvPr/>
         </p:nvSpPr>
         <p:spPr>
           <a:xfrm>
             <a:off x="1111320" y="5015160"/>
-            <a:ext cx="1746000" cy="619560"/>
+            <a:ext cx="1745640" cy="619200"/>
           </a:xfrm>
           <a:prstGeom prst="rect">
             <a:avLst/>
@@ -4667,7 +3518,7 @@
           <a:fontRef idx="minor"/>
         </p:style>
         <p:txBody>
-          <a:bodyPr tIns="91440" bIns="91440" anchor="t">
+          <a:bodyPr lIns="90000" rIns="90000" tIns="91440" bIns="91440" anchor="t">
             <a:noAutofit/>
           </a:bodyPr>
           <a:p>
@@ -4742,14 +3593,14 @@
       </p:sp>
       <p:sp>
         <p:nvSpPr>
-          <p:cNvPr id="45" name="Google Shape;62;p13"/>
+          <p:cNvPr id="36" name="Google Shape;62;p13"/>
           <p:cNvSpPr/>
           <p:nvPr/>
         </p:nvSpPr>
         <p:spPr>
           <a:xfrm>
             <a:off x="1111320" y="5796720"/>
-            <a:ext cx="1746000" cy="619560"/>
+            <a:ext cx="1745640" cy="619200"/>
           </a:xfrm>
           <a:prstGeom prst="rect">
             <a:avLst/>
@@ -4766,7 +3617,7 @@
           <a:fontRef idx="minor"/>
         </p:style>
         <p:txBody>
-          <a:bodyPr tIns="91440" bIns="91440" anchor="t">
+          <a:bodyPr lIns="90000" rIns="90000" tIns="91440" bIns="91440" anchor="t">
             <a:noAutofit/>
           </a:bodyPr>
           <a:p>
@@ -4867,14 +3718,14 @@
       </p:sp>
       <p:sp>
         <p:nvSpPr>
-          <p:cNvPr id="46" name="Google Shape;63;p13"/>
+          <p:cNvPr id="37" name="Google Shape;63;p13"/>
           <p:cNvSpPr/>
           <p:nvPr/>
         </p:nvSpPr>
         <p:spPr>
           <a:xfrm>
             <a:off x="4597560" y="5017320"/>
-            <a:ext cx="2016720" cy="619560"/>
+            <a:ext cx="2016360" cy="619200"/>
           </a:xfrm>
           <a:prstGeom prst="rect">
             <a:avLst/>
@@ -4891,7 +3742,7 @@
           <a:fontRef idx="minor"/>
         </p:style>
         <p:txBody>
-          <a:bodyPr tIns="91440" bIns="91440" anchor="t">
+          <a:bodyPr lIns="90000" rIns="90000" tIns="91440" bIns="91440" anchor="t">
             <a:noAutofit/>
           </a:bodyPr>
           <a:p>
@@ -5008,14 +3859,14 @@
       </p:sp>
       <p:sp>
         <p:nvSpPr>
-          <p:cNvPr id="47" name="Google Shape;64;p13"/>
+          <p:cNvPr id="38" name="Google Shape;64;p13"/>
           <p:cNvSpPr/>
           <p:nvPr/>
         </p:nvSpPr>
         <p:spPr>
           <a:xfrm>
             <a:off x="4597560" y="5796720"/>
-            <a:ext cx="2334240" cy="619560"/>
+            <a:ext cx="2333880" cy="619200"/>
           </a:xfrm>
           <a:prstGeom prst="rect">
             <a:avLst/>
@@ -5032,7 +3883,7 @@
           <a:fontRef idx="minor"/>
         </p:style>
         <p:txBody>
-          <a:bodyPr tIns="91440" bIns="91440" anchor="t">
+          <a:bodyPr lIns="90000" rIns="90000" tIns="91440" bIns="91440" anchor="t">
             <a:noAutofit/>
           </a:bodyPr>
           <a:p>
@@ -5149,14 +4000,14 @@
       </p:sp>
       <p:sp>
         <p:nvSpPr>
-          <p:cNvPr id="48" name="Google Shape;65;p13"/>
+          <p:cNvPr id="39" name="Google Shape;65;p13"/>
           <p:cNvSpPr/>
           <p:nvPr/>
         </p:nvSpPr>
         <p:spPr>
           <a:xfrm>
             <a:off x="317520" y="6846840"/>
-            <a:ext cx="6741360" cy="761760"/>
+            <a:ext cx="6741000" cy="761400"/>
           </a:xfrm>
           <a:prstGeom prst="rect">
             <a:avLst/>
@@ -5173,7 +4024,7 @@
           <a:fontRef idx="minor"/>
         </p:style>
         <p:txBody>
-          <a:bodyPr tIns="91440" bIns="91440" anchor="t">
+          <a:bodyPr lIns="90000" rIns="90000" tIns="91440" bIns="91440" anchor="t">
             <a:noAutofit/>
           </a:bodyPr>
           <a:p>
@@ -5206,7 +4057,7 @@
       </p:sp>
       <p:pic>
         <p:nvPicPr>
-          <p:cNvPr id="49" name="Google Shape;66;p13" descr=""/>
+          <p:cNvPr id="40" name="Google Shape;66;p13" descr=""/>
           <p:cNvPicPr/>
           <p:nvPr/>
         </p:nvPicPr>
@@ -5217,7 +4068,7 @@
         <p:spPr>
           <a:xfrm>
             <a:off x="360000" y="7640640"/>
-            <a:ext cx="6797160" cy="1629360"/>
+            <a:ext cx="6796800" cy="1629000"/>
           </a:xfrm>
           <a:prstGeom prst="rect">
             <a:avLst/>
@@ -5229,7 +4080,7 @@
       </p:pic>
       <p:pic>
         <p:nvPicPr>
-          <p:cNvPr id="50" name="Google Shape;67;p13" descr=""/>
+          <p:cNvPr id="41" name="Google Shape;67;p13" descr=""/>
           <p:cNvPicPr/>
           <p:nvPr/>
         </p:nvPicPr>
@@ -5239,8 +4090,8 @@
         </p:blipFill>
         <p:spPr>
           <a:xfrm rot="886200">
-            <a:off x="5356800" y="912240"/>
-            <a:ext cx="2314080" cy="2317680"/>
+            <a:off x="5356800" y="911880"/>
+            <a:ext cx="2313720" cy="2317320"/>
           </a:xfrm>
           <a:prstGeom prst="rect">
             <a:avLst/>
@@ -5282,14 +4133,14 @@
       </p:grpSpPr>
       <p:sp>
         <p:nvSpPr>
-          <p:cNvPr id="51" name="Google Shape;72;p14"/>
+          <p:cNvPr id="42" name="Google Shape;72;p14"/>
           <p:cNvSpPr/>
           <p:nvPr/>
         </p:nvSpPr>
         <p:spPr>
           <a:xfrm>
             <a:off x="360000" y="329760"/>
-            <a:ext cx="6839640" cy="1352520"/>
+            <a:ext cx="6839280" cy="1352160"/>
           </a:xfrm>
           <a:prstGeom prst="roundRect">
             <a:avLst>
@@ -5318,7 +4169,7 @@
           <a:fontRef idx="minor"/>
         </p:style>
         <p:txBody>
-          <a:bodyPr tIns="91440" bIns="91440" anchor="ctr">
+          <a:bodyPr lIns="90000" rIns="90000" tIns="91440" bIns="91440" anchor="ctr">
             <a:noAutofit/>
           </a:bodyPr>
           <a:p>
@@ -5351,13 +4202,13 @@
       </p:sp>
       <p:graphicFrame>
         <p:nvGraphicFramePr>
-          <p:cNvPr id="52" name="Google Shape;73;p14"/>
+          <p:cNvPr id="43" name="Google Shape;73;p14"/>
           <p:cNvGraphicFramePr/>
           <p:nvPr/>
         </p:nvGraphicFramePr>
         <p:xfrm>
           <a:off x="203040" y="1963080"/>
-          <a:ext cx="6905880" cy="4779720"/>
+          <a:ext cx="6905520" cy="4214880"/>
         </p:xfrm>
         <a:graphic>
           <a:graphicData uri="http://schemas.openxmlformats.org/drawingml/2006/table">
@@ -5370,7 +4221,7 @@
               <a:tr h="729720">
                 <a:tc>
                   <a:txBody>
-                    <a:bodyPr lIns="91080" rIns="91080" tIns="91080" bIns="91080" anchor="t">
+                    <a:bodyPr lIns="91080" rIns="91080" anchor="t">
                       <a:noAutofit/>
                     </a:bodyPr>
                     <a:p>
@@ -5429,36 +4280,24 @@
                     </a:p>
                   </a:txBody>
                   <a:tcPr anchor="t" marL="91080" marR="91080">
-                    <a:lnL w="9360">
-                      <a:solidFill>
-                        <a:srgbClr val="9e9e9e"/>
-                      </a:solidFill>
-                      <a:prstDash val="solid"/>
+                    <a:lnL>
+                      <a:noFill/>
                     </a:lnL>
-                    <a:lnR w="9360">
-                      <a:solidFill>
-                        <a:srgbClr val="9e9e9e"/>
-                      </a:solidFill>
-                      <a:prstDash val="solid"/>
+                    <a:lnR>
+                      <a:noFill/>
                     </a:lnR>
-                    <a:lnT w="9360">
-                      <a:solidFill>
-                        <a:srgbClr val="9e9e9e"/>
-                      </a:solidFill>
-                      <a:prstDash val="solid"/>
+                    <a:lnT>
+                      <a:noFill/>
                     </a:lnT>
-                    <a:lnB w="9360">
-                      <a:solidFill>
-                        <a:srgbClr val="9e9e9e"/>
-                      </a:solidFill>
-                      <a:prstDash val="solid"/>
+                    <a:lnB>
+                      <a:noFill/>
                     </a:lnB>
                     <a:noFill/>
                   </a:tcPr>
                 </a:tc>
                 <a:tc>
                   <a:txBody>
-                    <a:bodyPr lIns="91080" rIns="91080" tIns="91080" bIns="91080" anchor="t">
+                    <a:bodyPr lIns="91080" rIns="91080" anchor="t">
                       <a:noAutofit/>
                     </a:bodyPr>
                     <a:p>
@@ -5517,29 +4356,17 @@
                     </a:p>
                   </a:txBody>
                   <a:tcPr anchor="t" marL="91080" marR="91080">
-                    <a:lnL w="9360">
-                      <a:solidFill>
-                        <a:srgbClr val="9e9e9e"/>
-                      </a:solidFill>
-                      <a:prstDash val="solid"/>
+                    <a:lnL>
+                      <a:noFill/>
                     </a:lnL>
-                    <a:lnR w="9360">
-                      <a:solidFill>
-                        <a:srgbClr val="9e9e9e"/>
-                      </a:solidFill>
-                      <a:prstDash val="solid"/>
+                    <a:lnR>
+                      <a:noFill/>
                     </a:lnR>
-                    <a:lnT w="9360">
-                      <a:solidFill>
-                        <a:srgbClr val="9e9e9e"/>
-                      </a:solidFill>
-                      <a:prstDash val="solid"/>
+                    <a:lnT>
+                      <a:noFill/>
                     </a:lnT>
-                    <a:lnB w="9360">
-                      <a:solidFill>
-                        <a:srgbClr val="9e9e9e"/>
-                      </a:solidFill>
-                      <a:prstDash val="solid"/>
+                    <a:lnB>
+                      <a:noFill/>
                     </a:lnB>
                     <a:noFill/>
                   </a:tcPr>
@@ -5548,7 +4375,7 @@
               <a:tr h="380880">
                 <a:tc>
                   <a:txBody>
-                    <a:bodyPr lIns="91080" rIns="91080" tIns="91080" bIns="91080" anchor="t">
+                    <a:bodyPr lIns="91080" rIns="91080" anchor="t">
                       <a:noAutofit/>
                     </a:bodyPr>
                     <a:p>
@@ -5607,36 +4434,24 @@
                     </a:p>
                   </a:txBody>
                   <a:tcPr anchor="t" marL="91080" marR="91080">
-                    <a:lnL w="9360">
-                      <a:solidFill>
-                        <a:srgbClr val="9e9e9e"/>
-                      </a:solidFill>
-                      <a:prstDash val="solid"/>
+                    <a:lnL>
+                      <a:noFill/>
                     </a:lnL>
-                    <a:lnR w="9360">
-                      <a:solidFill>
-                        <a:srgbClr val="9e9e9e"/>
-                      </a:solidFill>
-                      <a:prstDash val="solid"/>
+                    <a:lnR>
+                      <a:noFill/>
                     </a:lnR>
-                    <a:lnT w="9360">
-                      <a:solidFill>
-                        <a:srgbClr val="9e9e9e"/>
-                      </a:solidFill>
-                      <a:prstDash val="solid"/>
+                    <a:lnT>
+                      <a:noFill/>
                     </a:lnT>
-                    <a:lnB w="9360">
-                      <a:solidFill>
-                        <a:srgbClr val="9e9e9e"/>
-                      </a:solidFill>
-                      <a:prstDash val="solid"/>
+                    <a:lnB>
+                      <a:noFill/>
                     </a:lnB>
                     <a:noFill/>
                   </a:tcPr>
                 </a:tc>
                 <a:tc>
                   <a:txBody>
-                    <a:bodyPr lIns="91080" rIns="91080" tIns="91080" bIns="91080" anchor="t">
+                    <a:bodyPr lIns="91080" rIns="91080" anchor="t">
                       <a:noAutofit/>
                     </a:bodyPr>
                     <a:p>
@@ -5669,29 +4484,17 @@
                     </a:p>
                   </a:txBody>
                   <a:tcPr anchor="t" marL="91080" marR="91080">
-                    <a:lnL w="9360">
-                      <a:solidFill>
-                        <a:srgbClr val="9e9e9e"/>
-                      </a:solidFill>
-                      <a:prstDash val="solid"/>
+                    <a:lnL>
+                      <a:noFill/>
                     </a:lnL>
-                    <a:lnR w="9360">
-                      <a:solidFill>
-                        <a:srgbClr val="9e9e9e"/>
-                      </a:solidFill>
-                      <a:prstDash val="solid"/>
+                    <a:lnR>
+                      <a:noFill/>
                     </a:lnR>
-                    <a:lnT w="9360">
-                      <a:solidFill>
-                        <a:srgbClr val="9e9e9e"/>
-                      </a:solidFill>
-                      <a:prstDash val="solid"/>
+                    <a:lnT>
+                      <a:noFill/>
                     </a:lnT>
-                    <a:lnB w="9360">
-                      <a:solidFill>
-                        <a:srgbClr val="9e9e9e"/>
-                      </a:solidFill>
-                      <a:prstDash val="solid"/>
+                    <a:lnB>
+                      <a:noFill/>
                     </a:lnB>
                     <a:noFill/>
                   </a:tcPr>
@@ -5700,7 +4503,7 @@
               <a:tr h="380880">
                 <a:tc>
                   <a:txBody>
-                    <a:bodyPr lIns="91080" rIns="91080" tIns="91080" bIns="91080" anchor="t">
+                    <a:bodyPr lIns="91080" rIns="91080" anchor="t">
                       <a:noAutofit/>
                     </a:bodyPr>
                     <a:p>
@@ -5733,36 +4536,24 @@
                     </a:p>
                   </a:txBody>
                   <a:tcPr anchor="t" marL="91080" marR="91080">
-                    <a:lnL w="9360">
-                      <a:solidFill>
-                        <a:srgbClr val="9e9e9e"/>
-                      </a:solidFill>
-                      <a:prstDash val="solid"/>
+                    <a:lnL>
+                      <a:noFill/>
                     </a:lnL>
-                    <a:lnR w="9360">
-                      <a:solidFill>
-                        <a:srgbClr val="9e9e9e"/>
-                      </a:solidFill>
-                      <a:prstDash val="solid"/>
+                    <a:lnR>
+                      <a:noFill/>
                     </a:lnR>
-                    <a:lnT w="9360">
-                      <a:solidFill>
-                        <a:srgbClr val="9e9e9e"/>
-                      </a:solidFill>
-                      <a:prstDash val="solid"/>
+                    <a:lnT>
+                      <a:noFill/>
                     </a:lnT>
-                    <a:lnB w="9360">
-                      <a:solidFill>
-                        <a:srgbClr val="9e9e9e"/>
-                      </a:solidFill>
-                      <a:prstDash val="solid"/>
+                    <a:lnB>
+                      <a:noFill/>
                     </a:lnB>
                     <a:noFill/>
                   </a:tcPr>
                 </a:tc>
                 <a:tc>
                   <a:txBody>
-                    <a:bodyPr lIns="91080" rIns="91080" tIns="91080" bIns="91080" anchor="t">
+                    <a:bodyPr lIns="91080" rIns="91080" anchor="t">
                       <a:noAutofit/>
                     </a:bodyPr>
                     <a:p>
@@ -5795,29 +4586,17 @@
                     </a:p>
                   </a:txBody>
                   <a:tcPr anchor="t" marL="91080" marR="91080">
-                    <a:lnL w="9360">
-                      <a:solidFill>
-                        <a:srgbClr val="9e9e9e"/>
-                      </a:solidFill>
-                      <a:prstDash val="solid"/>
+                    <a:lnL>
+                      <a:noFill/>
                     </a:lnL>
-                    <a:lnR w="9360">
-                      <a:solidFill>
-                        <a:srgbClr val="9e9e9e"/>
-                      </a:solidFill>
-                      <a:prstDash val="solid"/>
+                    <a:lnR>
+                      <a:noFill/>
                     </a:lnR>
-                    <a:lnT w="9360">
-                      <a:solidFill>
-                        <a:srgbClr val="9e9e9e"/>
-                      </a:solidFill>
-                      <a:prstDash val="solid"/>
+                    <a:lnT>
+                      <a:noFill/>
                     </a:lnT>
-                    <a:lnB w="9360">
-                      <a:solidFill>
-                        <a:srgbClr val="9e9e9e"/>
-                      </a:solidFill>
-                      <a:prstDash val="solid"/>
+                    <a:lnB>
+                      <a:noFill/>
                     </a:lnB>
                     <a:noFill/>
                   </a:tcPr>
@@ -5826,7 +4605,7 @@
               <a:tr h="380880">
                 <a:tc>
                   <a:txBody>
-                    <a:bodyPr lIns="91080" rIns="91080" tIns="91080" bIns="91080" anchor="t">
+                    <a:bodyPr lIns="91080" rIns="91080" anchor="t">
                       <a:noAutofit/>
                     </a:bodyPr>
                     <a:p>
@@ -5872,36 +4651,24 @@
                     </a:p>
                   </a:txBody>
                   <a:tcPr anchor="t" marL="91080" marR="91080">
-                    <a:lnL w="9360">
-                      <a:solidFill>
-                        <a:srgbClr val="9e9e9e"/>
-                      </a:solidFill>
-                      <a:prstDash val="solid"/>
+                    <a:lnL>
+                      <a:noFill/>
                     </a:lnL>
-                    <a:lnR w="9360">
-                      <a:solidFill>
-                        <a:srgbClr val="9e9e9e"/>
-                      </a:solidFill>
-                      <a:prstDash val="solid"/>
+                    <a:lnR>
+                      <a:noFill/>
                     </a:lnR>
-                    <a:lnT w="9360">
-                      <a:solidFill>
-                        <a:srgbClr val="9e9e9e"/>
-                      </a:solidFill>
-                      <a:prstDash val="solid"/>
+                    <a:lnT>
+                      <a:noFill/>
                     </a:lnT>
-                    <a:lnB w="9360">
-                      <a:solidFill>
-                        <a:srgbClr val="9e9e9e"/>
-                      </a:solidFill>
-                      <a:prstDash val="solid"/>
+                    <a:lnB>
+                      <a:noFill/>
                     </a:lnB>
                     <a:noFill/>
                   </a:tcPr>
                 </a:tc>
                 <a:tc>
                   <a:txBody>
-                    <a:bodyPr lIns="91080" rIns="91080" tIns="91080" bIns="91080" anchor="t">
+                    <a:bodyPr lIns="91080" rIns="91080" anchor="t">
                       <a:noAutofit/>
                     </a:bodyPr>
                     <a:p>
@@ -5934,29 +4701,17 @@
                     </a:p>
                   </a:txBody>
                   <a:tcPr anchor="t" marL="91080" marR="91080">
-                    <a:lnL w="9360">
-                      <a:solidFill>
-                        <a:srgbClr val="9e9e9e"/>
-                      </a:solidFill>
-                      <a:prstDash val="solid"/>
+                    <a:lnL>
+                      <a:noFill/>
                     </a:lnL>
-                    <a:lnR w="9360">
-                      <a:solidFill>
-                        <a:srgbClr val="9e9e9e"/>
-                      </a:solidFill>
-                      <a:prstDash val="solid"/>
+                    <a:lnR>
+                      <a:noFill/>
                     </a:lnR>
-                    <a:lnT w="9360">
-                      <a:solidFill>
-                        <a:srgbClr val="9e9e9e"/>
-                      </a:solidFill>
-                      <a:prstDash val="solid"/>
+                    <a:lnT>
+                      <a:noFill/>
                     </a:lnT>
-                    <a:lnB w="9360">
-                      <a:solidFill>
-                        <a:srgbClr val="9e9e9e"/>
-                      </a:solidFill>
-                      <a:prstDash val="solid"/>
+                    <a:lnB>
+                      <a:noFill/>
                     </a:lnB>
                     <a:noFill/>
                   </a:tcPr>
@@ -5965,7 +4720,7 @@
               <a:tr h="380880">
                 <a:tc>
                   <a:txBody>
-                    <a:bodyPr lIns="91080" rIns="91080" tIns="91080" bIns="91080" anchor="t">
+                    <a:bodyPr lIns="91080" rIns="91080" anchor="t">
                       <a:noAutofit/>
                     </a:bodyPr>
                     <a:p>
@@ -5998,36 +4753,24 @@
                     </a:p>
                   </a:txBody>
                   <a:tcPr anchor="t" marL="91080" marR="91080">
-                    <a:lnL w="9360">
-                      <a:solidFill>
-                        <a:srgbClr val="9e9e9e"/>
-                      </a:solidFill>
-                      <a:prstDash val="solid"/>
+                    <a:lnL>
+                      <a:noFill/>
                     </a:lnL>
-                    <a:lnR w="9360">
-                      <a:solidFill>
-                        <a:srgbClr val="9e9e9e"/>
-                      </a:solidFill>
-                      <a:prstDash val="solid"/>
+                    <a:lnR>
+                      <a:noFill/>
                     </a:lnR>
-                    <a:lnT w="9360">
-                      <a:solidFill>
-                        <a:srgbClr val="9e9e9e"/>
-                      </a:solidFill>
-                      <a:prstDash val="solid"/>
+                    <a:lnT>
+                      <a:noFill/>
                     </a:lnT>
-                    <a:lnB w="9360">
-                      <a:solidFill>
-                        <a:srgbClr val="9e9e9e"/>
-                      </a:solidFill>
-                      <a:prstDash val="solid"/>
+                    <a:lnB>
+                      <a:noFill/>
                     </a:lnB>
                     <a:noFill/>
                   </a:tcPr>
                 </a:tc>
                 <a:tc>
                   <a:txBody>
-                    <a:bodyPr lIns="91080" rIns="91080" tIns="91080" bIns="91080" anchor="t">
+                    <a:bodyPr lIns="91080" rIns="91080" anchor="t">
                       <a:noAutofit/>
                     </a:bodyPr>
                     <a:p>
@@ -6060,29 +4803,17 @@
                     </a:p>
                   </a:txBody>
                   <a:tcPr anchor="t" marL="91080" marR="91080">
-                    <a:lnL w="9360">
-                      <a:solidFill>
-                        <a:srgbClr val="9e9e9e"/>
-                      </a:solidFill>
-                      <a:prstDash val="solid"/>
+                    <a:lnL>
+                      <a:noFill/>
                     </a:lnL>
-                    <a:lnR w="9360">
-                      <a:solidFill>
-                        <a:srgbClr val="9e9e9e"/>
-                      </a:solidFill>
-                      <a:prstDash val="solid"/>
+                    <a:lnR>
+                      <a:noFill/>
                     </a:lnR>
-                    <a:lnT w="9360">
-                      <a:solidFill>
-                        <a:srgbClr val="9e9e9e"/>
-                      </a:solidFill>
-                      <a:prstDash val="solid"/>
+                    <a:lnT>
+                      <a:noFill/>
                     </a:lnT>
-                    <a:lnB w="9360">
-                      <a:solidFill>
-                        <a:srgbClr val="9e9e9e"/>
-                      </a:solidFill>
-                      <a:prstDash val="solid"/>
+                    <a:lnB>
+                      <a:noFill/>
                     </a:lnB>
                     <a:noFill/>
                   </a:tcPr>
@@ -6091,7 +4822,7 @@
               <a:tr h="380880">
                 <a:tc>
                   <a:txBody>
-                    <a:bodyPr lIns="91080" rIns="91080" tIns="91080" bIns="91080" anchor="t">
+                    <a:bodyPr lIns="91080" rIns="91080" anchor="t">
                       <a:noAutofit/>
                     </a:bodyPr>
                     <a:p>
@@ -6124,36 +4855,24 @@
                     </a:p>
                   </a:txBody>
                   <a:tcPr anchor="t" marL="91080" marR="91080">
-                    <a:lnL w="9360">
-                      <a:solidFill>
-                        <a:srgbClr val="9e9e9e"/>
-                      </a:solidFill>
-                      <a:prstDash val="solid"/>
+                    <a:lnL>
+                      <a:noFill/>
                     </a:lnL>
-                    <a:lnR w="9360">
-                      <a:solidFill>
-                        <a:srgbClr val="9e9e9e"/>
-                      </a:solidFill>
-                      <a:prstDash val="solid"/>
+                    <a:lnR>
+                      <a:noFill/>
                     </a:lnR>
-                    <a:lnT w="9360">
-                      <a:solidFill>
-                        <a:srgbClr val="9e9e9e"/>
-                      </a:solidFill>
-                      <a:prstDash val="solid"/>
+                    <a:lnT>
+                      <a:noFill/>
                     </a:lnT>
-                    <a:lnB w="9360">
-                      <a:solidFill>
-                        <a:srgbClr val="9e9e9e"/>
-                      </a:solidFill>
-                      <a:prstDash val="solid"/>
+                    <a:lnB>
+                      <a:noFill/>
                     </a:lnB>
                     <a:noFill/>
                   </a:tcPr>
                 </a:tc>
                 <a:tc>
                   <a:txBody>
-                    <a:bodyPr lIns="91080" rIns="91080" tIns="91080" bIns="91080" anchor="t">
+                    <a:bodyPr lIns="91080" rIns="91080" anchor="t">
                       <a:noAutofit/>
                     </a:bodyPr>
                     <a:p>
@@ -6186,29 +4905,17 @@
                     </a:p>
                   </a:txBody>
                   <a:tcPr anchor="t" marL="91080" marR="91080">
-                    <a:lnL w="9360">
-                      <a:solidFill>
-                        <a:srgbClr val="9e9e9e"/>
-                      </a:solidFill>
-                      <a:prstDash val="solid"/>
+                    <a:lnL>
+                      <a:noFill/>
                     </a:lnL>
-                    <a:lnR w="9360">
-                      <a:solidFill>
-                        <a:srgbClr val="9e9e9e"/>
-                      </a:solidFill>
-                      <a:prstDash val="solid"/>
+                    <a:lnR>
+                      <a:noFill/>
                     </a:lnR>
-                    <a:lnT w="9360">
-                      <a:solidFill>
-                        <a:srgbClr val="9e9e9e"/>
-                      </a:solidFill>
-                      <a:prstDash val="solid"/>
+                    <a:lnT>
+                      <a:noFill/>
                     </a:lnT>
-                    <a:lnB w="9360">
-                      <a:solidFill>
-                        <a:srgbClr val="9e9e9e"/>
-                      </a:solidFill>
-                      <a:prstDash val="solid"/>
+                    <a:lnB>
+                      <a:noFill/>
                     </a:lnB>
                     <a:noFill/>
                   </a:tcPr>
@@ -6217,7 +4924,7 @@
               <a:tr h="380880">
                 <a:tc>
                   <a:txBody>
-                    <a:bodyPr lIns="91080" rIns="91080" tIns="91080" bIns="91080" anchor="t">
+                    <a:bodyPr lIns="91080" rIns="91080" anchor="t">
                       <a:noAutofit/>
                     </a:bodyPr>
                     <a:p>
@@ -6250,36 +4957,24 @@
                     </a:p>
                   </a:txBody>
                   <a:tcPr anchor="t" marL="91080" marR="91080">
-                    <a:lnL w="9360">
-                      <a:solidFill>
-                        <a:srgbClr val="9e9e9e"/>
-                      </a:solidFill>
-                      <a:prstDash val="solid"/>
+                    <a:lnL>
+                      <a:noFill/>
                     </a:lnL>
-                    <a:lnR w="9360">
-                      <a:solidFill>
-                        <a:srgbClr val="9e9e9e"/>
-                      </a:solidFill>
-                      <a:prstDash val="solid"/>
+                    <a:lnR>
+                      <a:noFill/>
                     </a:lnR>
-                    <a:lnT w="9360">
-                      <a:solidFill>
-                        <a:srgbClr val="9e9e9e"/>
-                      </a:solidFill>
-                      <a:prstDash val="solid"/>
+                    <a:lnT>
+                      <a:noFill/>
                     </a:lnT>
-                    <a:lnB w="9360">
-                      <a:solidFill>
-                        <a:srgbClr val="9e9e9e"/>
-                      </a:solidFill>
-                      <a:prstDash val="solid"/>
+                    <a:lnB>
+                      <a:noFill/>
                     </a:lnB>
                     <a:noFill/>
                   </a:tcPr>
                 </a:tc>
                 <a:tc>
                   <a:txBody>
-                    <a:bodyPr lIns="91080" rIns="91080" tIns="91080" bIns="91080" anchor="t">
+                    <a:bodyPr lIns="91080" rIns="91080" anchor="t">
                       <a:noAutofit/>
                     </a:bodyPr>
                     <a:p>
@@ -6312,29 +5007,17 @@
                     </a:p>
                   </a:txBody>
                   <a:tcPr anchor="t" marL="91080" marR="91080">
-                    <a:lnL w="9360">
-                      <a:solidFill>
-                        <a:srgbClr val="9e9e9e"/>
-                      </a:solidFill>
-                      <a:prstDash val="solid"/>
+                    <a:lnL>
+                      <a:noFill/>
                     </a:lnL>
-                    <a:lnR w="9360">
-                      <a:solidFill>
-                        <a:srgbClr val="9e9e9e"/>
-                      </a:solidFill>
-                      <a:prstDash val="solid"/>
+                    <a:lnR>
+                      <a:noFill/>
                     </a:lnR>
-                    <a:lnT w="9360">
-                      <a:solidFill>
-                        <a:srgbClr val="9e9e9e"/>
-                      </a:solidFill>
-                      <a:prstDash val="solid"/>
+                    <a:lnT>
+                      <a:noFill/>
                     </a:lnT>
-                    <a:lnB w="9360">
-                      <a:solidFill>
-                        <a:srgbClr val="9e9e9e"/>
-                      </a:solidFill>
-                      <a:prstDash val="solid"/>
+                    <a:lnB>
+                      <a:noFill/>
                     </a:lnB>
                     <a:noFill/>
                   </a:tcPr>
@@ -6346,14 +5029,14 @@
       </p:graphicFrame>
       <p:sp>
         <p:nvSpPr>
-          <p:cNvPr id="53" name="Google Shape;74;p14"/>
+          <p:cNvPr id="44" name="Google Shape;74;p14"/>
           <p:cNvSpPr/>
           <p:nvPr/>
         </p:nvSpPr>
         <p:spPr>
           <a:xfrm>
             <a:off x="360000" y="7185600"/>
-            <a:ext cx="6839640" cy="2484720"/>
+            <a:ext cx="6839280" cy="2484360"/>
           </a:xfrm>
           <a:prstGeom prst="roundRect">
             <a:avLst>
@@ -6382,7 +5065,7 @@
           <a:fontRef idx="minor"/>
         </p:style>
         <p:txBody>
-          <a:bodyPr tIns="91440" bIns="91440" anchor="ctr">
+          <a:bodyPr lIns="90000" rIns="90000" tIns="91440" bIns="91440" anchor="ctr">
             <a:noAutofit/>
           </a:bodyPr>
           <a:p>
@@ -6405,14 +5088,14 @@
       </p:sp>
       <p:sp>
         <p:nvSpPr>
-          <p:cNvPr id="54" name="Google Shape;75;p14"/>
+          <p:cNvPr id="45" name="Google Shape;75;p14"/>
           <p:cNvSpPr/>
           <p:nvPr/>
         </p:nvSpPr>
         <p:spPr>
           <a:xfrm>
             <a:off x="736920" y="7995960"/>
-            <a:ext cx="3349080" cy="864360"/>
+            <a:ext cx="3348720" cy="864000"/>
           </a:xfrm>
           <a:prstGeom prst="rect">
             <a:avLst/>
@@ -6429,7 +5112,7 @@
           <a:fontRef idx="minor"/>
         </p:style>
         <p:txBody>
-          <a:bodyPr tIns="91440" bIns="91440" anchor="t">
+          <a:bodyPr lIns="90000" rIns="90000" tIns="91440" bIns="91440" anchor="t">
             <a:noAutofit/>
           </a:bodyPr>
           <a:p>
@@ -6488,7 +5171,7 @@
       </p:sp>
       <p:pic>
         <p:nvPicPr>
-          <p:cNvPr id="55" name="Google Shape;76;p14" descr=""/>
+          <p:cNvPr id="46" name="Google Shape;76;p14" descr=""/>
           <p:cNvPicPr/>
           <p:nvPr/>
         </p:nvPicPr>
@@ -6499,7 +5182,7 @@
         <p:spPr>
           <a:xfrm>
             <a:off x="4898880" y="7503480"/>
-            <a:ext cx="1848960" cy="1848960"/>
+            <a:ext cx="1848600" cy="1848600"/>
           </a:xfrm>
           <a:prstGeom prst="rect">
             <a:avLst/>
@@ -6541,14 +5224,14 @@
       </p:grpSpPr>
       <p:sp>
         <p:nvSpPr>
-          <p:cNvPr id="56" name="Google Shape;81;p15"/>
+          <p:cNvPr id="47" name="Google Shape;81;p15"/>
           <p:cNvSpPr/>
           <p:nvPr/>
         </p:nvSpPr>
         <p:spPr>
           <a:xfrm>
             <a:off x="360000" y="329760"/>
-            <a:ext cx="6839640" cy="1352520"/>
+            <a:ext cx="6839280" cy="1352160"/>
           </a:xfrm>
           <a:prstGeom prst="roundRect">
             <a:avLst>
@@ -6577,7 +5260,7 @@
           <a:fontRef idx="minor"/>
         </p:style>
         <p:txBody>
-          <a:bodyPr tIns="91440" bIns="91440" anchor="ctr">
+          <a:bodyPr lIns="90000" rIns="90000" tIns="91440" bIns="91440" anchor="ctr">
             <a:noAutofit/>
           </a:bodyPr>
           <a:p>
@@ -6610,13 +5293,13 @@
       </p:sp>
       <p:graphicFrame>
         <p:nvGraphicFramePr>
-          <p:cNvPr id="57" name="Google Shape;82;p15"/>
+          <p:cNvPr id="48" name="Google Shape;82;p15"/>
           <p:cNvGraphicFramePr/>
           <p:nvPr/>
         </p:nvGraphicFramePr>
         <p:xfrm>
           <a:off x="203040" y="1963080"/>
-          <a:ext cx="6905880" cy="2700000"/>
+          <a:ext cx="6905520" cy="2407320"/>
         </p:xfrm>
         <a:graphic>
           <a:graphicData uri="http://schemas.openxmlformats.org/drawingml/2006/table">
@@ -6629,7 +5312,7 @@
               <a:tr h="729720">
                 <a:tc>
                   <a:txBody>
-                    <a:bodyPr lIns="91080" rIns="91080" tIns="91080" bIns="91080" anchor="t">
+                    <a:bodyPr lIns="91080" rIns="91080" anchor="t">
                       <a:noAutofit/>
                     </a:bodyPr>
                     <a:p>
@@ -6688,36 +5371,24 @@
                     </a:p>
                   </a:txBody>
                   <a:tcPr anchor="t" marL="91080" marR="91080">
-                    <a:lnL w="9360">
-                      <a:solidFill>
-                        <a:srgbClr val="9e9e9e"/>
-                      </a:solidFill>
-                      <a:prstDash val="solid"/>
+                    <a:lnL>
+                      <a:noFill/>
                     </a:lnL>
-                    <a:lnR w="9360">
-                      <a:solidFill>
-                        <a:srgbClr val="9e9e9e"/>
-                      </a:solidFill>
-                      <a:prstDash val="solid"/>
+                    <a:lnR>
+                      <a:noFill/>
                     </a:lnR>
-                    <a:lnT w="9360">
-                      <a:solidFill>
-                        <a:srgbClr val="9e9e9e"/>
-                      </a:solidFill>
-                      <a:prstDash val="solid"/>
+                    <a:lnT>
+                      <a:noFill/>
                     </a:lnT>
-                    <a:lnB w="9360">
-                      <a:solidFill>
-                        <a:srgbClr val="9e9e9e"/>
-                      </a:solidFill>
-                      <a:prstDash val="solid"/>
+                    <a:lnB>
+                      <a:noFill/>
                     </a:lnB>
                     <a:noFill/>
                   </a:tcPr>
                 </a:tc>
                 <a:tc>
                   <a:txBody>
-                    <a:bodyPr lIns="91080" rIns="91080" tIns="91080" bIns="91080" anchor="t">
+                    <a:bodyPr lIns="91080" rIns="91080" anchor="t">
                       <a:noAutofit/>
                     </a:bodyPr>
                     <a:p>
@@ -6750,29 +5421,17 @@
                     </a:p>
                   </a:txBody>
                   <a:tcPr anchor="t" marL="91080" marR="91080">
-                    <a:lnL w="9360">
-                      <a:solidFill>
-                        <a:srgbClr val="9e9e9e"/>
-                      </a:solidFill>
-                      <a:prstDash val="solid"/>
+                    <a:lnL>
+                      <a:noFill/>
                     </a:lnL>
-                    <a:lnR w="9360">
-                      <a:solidFill>
-                        <a:srgbClr val="9e9e9e"/>
-                      </a:solidFill>
-                      <a:prstDash val="solid"/>
+                    <a:lnR>
+                      <a:noFill/>
                     </a:lnR>
-                    <a:lnT w="9360">
-                      <a:solidFill>
-                        <a:srgbClr val="9e9e9e"/>
-                      </a:solidFill>
-                      <a:prstDash val="solid"/>
+                    <a:lnT>
+                      <a:noFill/>
                     </a:lnT>
-                    <a:lnB w="9360">
-                      <a:solidFill>
-                        <a:srgbClr val="9e9e9e"/>
-                      </a:solidFill>
-                      <a:prstDash val="solid"/>
+                    <a:lnB>
+                      <a:noFill/>
                     </a:lnB>
                     <a:noFill/>
                   </a:tcPr>
@@ -6781,7 +5440,7 @@
               <a:tr h="380880">
                 <a:tc>
                   <a:txBody>
-                    <a:bodyPr lIns="91080" rIns="91080" tIns="91080" bIns="91080" anchor="t">
+                    <a:bodyPr lIns="91080" rIns="91080" anchor="t">
                       <a:noAutofit/>
                     </a:bodyPr>
                     <a:p>
@@ -6814,36 +5473,24 @@
                     </a:p>
                   </a:txBody>
                   <a:tcPr anchor="t" marL="91080" marR="91080">
-                    <a:lnL w="9360">
-                      <a:solidFill>
-                        <a:srgbClr val="9e9e9e"/>
-                      </a:solidFill>
-                      <a:prstDash val="solid"/>
+                    <a:lnL>
+                      <a:noFill/>
                     </a:lnL>
-                    <a:lnR w="9360">
-                      <a:solidFill>
-                        <a:srgbClr val="9e9e9e"/>
-                      </a:solidFill>
-                      <a:prstDash val="solid"/>
+                    <a:lnR>
+                      <a:noFill/>
                     </a:lnR>
-                    <a:lnT w="9360">
-                      <a:solidFill>
-                        <a:srgbClr val="9e9e9e"/>
-                      </a:solidFill>
-                      <a:prstDash val="solid"/>
+                    <a:lnT>
+                      <a:noFill/>
                     </a:lnT>
-                    <a:lnB w="9360">
-                      <a:solidFill>
-                        <a:srgbClr val="9e9e9e"/>
-                      </a:solidFill>
-                      <a:prstDash val="solid"/>
+                    <a:lnB>
+                      <a:noFill/>
                     </a:lnB>
                     <a:noFill/>
                   </a:tcPr>
                 </a:tc>
                 <a:tc>
                   <a:txBody>
-                    <a:bodyPr lIns="91080" rIns="91080" tIns="91080" bIns="91080" anchor="t">
+                    <a:bodyPr lIns="91080" rIns="91080" anchor="t">
                       <a:noAutofit/>
                     </a:bodyPr>
                     <a:p>
@@ -6876,29 +5523,17 @@
                     </a:p>
                   </a:txBody>
                   <a:tcPr anchor="t" marL="91080" marR="91080">
-                    <a:lnL w="9360">
-                      <a:solidFill>
-                        <a:srgbClr val="9e9e9e"/>
-                      </a:solidFill>
-                      <a:prstDash val="solid"/>
+                    <a:lnL>
+                      <a:noFill/>
                     </a:lnL>
-                    <a:lnR w="9360">
-                      <a:solidFill>
-                        <a:srgbClr val="9e9e9e"/>
-                      </a:solidFill>
-                      <a:prstDash val="solid"/>
+                    <a:lnR>
+                      <a:noFill/>
                     </a:lnR>
-                    <a:lnT w="9360">
-                      <a:solidFill>
-                        <a:srgbClr val="9e9e9e"/>
-                      </a:solidFill>
-                      <a:prstDash val="solid"/>
+                    <a:lnT>
+                      <a:noFill/>
                     </a:lnT>
-                    <a:lnB w="9360">
-                      <a:solidFill>
-                        <a:srgbClr val="9e9e9e"/>
-                      </a:solidFill>
-                      <a:prstDash val="solid"/>
+                    <a:lnB>
+                      <a:noFill/>
                     </a:lnB>
                     <a:noFill/>
                   </a:tcPr>
@@ -6907,7 +5542,7 @@
               <a:tr h="380880">
                 <a:tc>
                   <a:txBody>
-                    <a:bodyPr lIns="91080" rIns="91080" tIns="91080" bIns="91080" anchor="t">
+                    <a:bodyPr lIns="91080" rIns="91080" anchor="t">
                       <a:noAutofit/>
                     </a:bodyPr>
                     <a:p>
@@ -6966,36 +5601,24 @@
                     </a:p>
                   </a:txBody>
                   <a:tcPr anchor="t" marL="91080" marR="91080">
-                    <a:lnL w="9360">
-                      <a:solidFill>
-                        <a:srgbClr val="9e9e9e"/>
-                      </a:solidFill>
-                      <a:prstDash val="solid"/>
+                    <a:lnL>
+                      <a:noFill/>
                     </a:lnL>
-                    <a:lnR w="9360">
-                      <a:solidFill>
-                        <a:srgbClr val="9e9e9e"/>
-                      </a:solidFill>
-                      <a:prstDash val="solid"/>
+                    <a:lnR>
+                      <a:noFill/>
                     </a:lnR>
-                    <a:lnT w="9360">
-                      <a:solidFill>
-                        <a:srgbClr val="9e9e9e"/>
-                      </a:solidFill>
-                      <a:prstDash val="solid"/>
+                    <a:lnT>
+                      <a:noFill/>
                     </a:lnT>
-                    <a:lnB w="9360">
-                      <a:solidFill>
-                        <a:srgbClr val="9e9e9e"/>
-                      </a:solidFill>
-                      <a:prstDash val="solid"/>
+                    <a:lnB>
+                      <a:noFill/>
                     </a:lnB>
                     <a:noFill/>
                   </a:tcPr>
                 </a:tc>
                 <a:tc>
                   <a:txBody>
-                    <a:bodyPr lIns="91080" rIns="91080" tIns="91080" bIns="91080" anchor="t">
+                    <a:bodyPr lIns="91080" rIns="91080" anchor="t">
                       <a:noAutofit/>
                     </a:bodyPr>
                     <a:p>
@@ -7028,29 +5651,17 @@
                     </a:p>
                   </a:txBody>
                   <a:tcPr anchor="t" marL="91080" marR="91080">
-                    <a:lnL w="9360">
-                      <a:solidFill>
-                        <a:srgbClr val="9e9e9e"/>
-                      </a:solidFill>
-                      <a:prstDash val="solid"/>
+                    <a:lnL>
+                      <a:noFill/>
                     </a:lnL>
-                    <a:lnR w="9360">
-                      <a:solidFill>
-                        <a:srgbClr val="9e9e9e"/>
-                      </a:solidFill>
-                      <a:prstDash val="solid"/>
+                    <a:lnR>
+                      <a:noFill/>
                     </a:lnR>
-                    <a:lnT w="9360">
-                      <a:solidFill>
-                        <a:srgbClr val="9e9e9e"/>
-                      </a:solidFill>
-                      <a:prstDash val="solid"/>
+                    <a:lnT>
+                      <a:noFill/>
                     </a:lnT>
-                    <a:lnB w="9360">
-                      <a:solidFill>
-                        <a:srgbClr val="9e9e9e"/>
-                      </a:solidFill>
-                      <a:prstDash val="solid"/>
+                    <a:lnB>
+                      <a:noFill/>
                     </a:lnB>
                     <a:noFill/>
                   </a:tcPr>
@@ -7059,7 +5670,7 @@
               <a:tr h="380880">
                 <a:tc>
                   <a:txBody>
-                    <a:bodyPr lIns="91080" rIns="91080" tIns="91080" bIns="91080" anchor="t">
+                    <a:bodyPr lIns="91080" rIns="91080" anchor="t">
                       <a:noAutofit/>
                     </a:bodyPr>
                     <a:p>
@@ -7092,36 +5703,24 @@
                     </a:p>
                   </a:txBody>
                   <a:tcPr anchor="t" marL="91080" marR="91080">
-                    <a:lnL w="9360">
-                      <a:solidFill>
-                        <a:srgbClr val="9e9e9e"/>
-                      </a:solidFill>
-                      <a:prstDash val="solid"/>
+                    <a:lnL>
+                      <a:noFill/>
                     </a:lnL>
-                    <a:lnR w="9360">
-                      <a:solidFill>
-                        <a:srgbClr val="9e9e9e"/>
-                      </a:solidFill>
-                      <a:prstDash val="solid"/>
+                    <a:lnR>
+                      <a:noFill/>
                     </a:lnR>
-                    <a:lnT w="9360">
-                      <a:solidFill>
-                        <a:srgbClr val="9e9e9e"/>
-                      </a:solidFill>
-                      <a:prstDash val="solid"/>
+                    <a:lnT>
+                      <a:noFill/>
                     </a:lnT>
-                    <a:lnB w="9360">
-                      <a:solidFill>
-                        <a:srgbClr val="9e9e9e"/>
-                      </a:solidFill>
-                      <a:prstDash val="solid"/>
+                    <a:lnB>
+                      <a:noFill/>
                     </a:lnB>
                     <a:noFill/>
                   </a:tcPr>
                 </a:tc>
                 <a:tc>
                   <a:txBody>
-                    <a:bodyPr lIns="91080" rIns="91080" tIns="91080" bIns="91080" anchor="t">
+                    <a:bodyPr lIns="91080" rIns="91080" anchor="t">
                       <a:noAutofit/>
                     </a:bodyPr>
                     <a:p>
@@ -7154,29 +5753,17 @@
                     </a:p>
                   </a:txBody>
                   <a:tcPr anchor="t" marL="91080" marR="91080">
-                    <a:lnL w="9360">
-                      <a:solidFill>
-                        <a:srgbClr val="9e9e9e"/>
-                      </a:solidFill>
-                      <a:prstDash val="solid"/>
+                    <a:lnL>
+                      <a:noFill/>
                     </a:lnL>
-                    <a:lnR w="9360">
-                      <a:solidFill>
-                        <a:srgbClr val="9e9e9e"/>
-                      </a:solidFill>
-                      <a:prstDash val="solid"/>
+                    <a:lnR>
+                      <a:noFill/>
                     </a:lnR>
-                    <a:lnT w="9360">
-                      <a:solidFill>
-                        <a:srgbClr val="9e9e9e"/>
-                      </a:solidFill>
-                      <a:prstDash val="solid"/>
+                    <a:lnT>
+                      <a:noFill/>
                     </a:lnT>
-                    <a:lnB w="9360">
-                      <a:solidFill>
-                        <a:srgbClr val="9e9e9e"/>
-                      </a:solidFill>
-                      <a:prstDash val="solid"/>
+                    <a:lnB>
+                      <a:noFill/>
                     </a:lnB>
                     <a:noFill/>
                   </a:tcPr>
@@ -7188,14 +5775,14 @@
       </p:graphicFrame>
       <p:sp>
         <p:nvSpPr>
-          <p:cNvPr id="58" name="Google Shape;83;p15"/>
+          <p:cNvPr id="49" name="Google Shape;83;p15"/>
           <p:cNvSpPr/>
           <p:nvPr/>
         </p:nvSpPr>
         <p:spPr>
           <a:xfrm>
             <a:off x="360000" y="5049360"/>
-            <a:ext cx="6839640" cy="1352520"/>
+            <a:ext cx="6839280" cy="1352160"/>
           </a:xfrm>
           <a:prstGeom prst="roundRect">
             <a:avLst>
@@ -7224,7 +5811,7 @@
           <a:fontRef idx="minor"/>
         </p:style>
         <p:txBody>
-          <a:bodyPr tIns="91440" bIns="91440" anchor="ctr">
+          <a:bodyPr lIns="90000" rIns="90000" tIns="91440" bIns="91440" anchor="ctr">
             <a:noAutofit/>
           </a:bodyPr>
           <a:p>
@@ -7309,13 +5896,13 @@
       </p:sp>
       <p:graphicFrame>
         <p:nvGraphicFramePr>
-          <p:cNvPr id="59" name="Google Shape;84;p15"/>
+          <p:cNvPr id="50" name="Google Shape;84;p15"/>
           <p:cNvGraphicFramePr/>
           <p:nvPr/>
         </p:nvGraphicFramePr>
         <p:xfrm>
           <a:off x="442440" y="6701400"/>
-          <a:ext cx="6839640" cy="3197880"/>
+          <a:ext cx="6839640" cy="2744280"/>
         </p:xfrm>
         <a:graphic>
           <a:graphicData uri="http://schemas.openxmlformats.org/drawingml/2006/table">
@@ -7331,7 +5918,7 @@
               <a:tr h="380880">
                 <a:tc>
                   <a:txBody>
-                    <a:bodyPr lIns="91080" rIns="91080" tIns="91080" bIns="91080" anchor="ctr">
+                    <a:bodyPr lIns="91080" rIns="91080" anchor="ctr">
                       <a:noAutofit/>
                     </a:bodyPr>
                     <a:p>
@@ -7357,7 +5944,7 @@
                         <a:solidFill>
                           <a:srgbClr val="ffffff"/>
                         </a:solidFill>
-                        <a:latin typeface="Times New Roman"/>
+                        <a:latin typeface="Arial"/>
                       </a:endParaRPr>
                     </a:p>
                   </a:txBody>
@@ -7393,7 +5980,7 @@
                 </a:tc>
                 <a:tc>
                   <a:txBody>
-                    <a:bodyPr lIns="91080" rIns="91080" tIns="91080" bIns="91080" anchor="ctr">
+                    <a:bodyPr lIns="91080" rIns="91080" anchor="ctr">
                       <a:noAutofit/>
                     </a:bodyPr>
                     <a:p>
@@ -7419,7 +6006,7 @@
                         <a:solidFill>
                           <a:srgbClr val="ffffff"/>
                         </a:solidFill>
-                        <a:latin typeface="Times New Roman"/>
+                        <a:latin typeface="Arial"/>
                       </a:endParaRPr>
                     </a:p>
                   </a:txBody>
@@ -7455,7 +6042,7 @@
                 </a:tc>
                 <a:tc>
                   <a:txBody>
-                    <a:bodyPr lIns="91080" rIns="91080" tIns="91080" bIns="91080" anchor="ctr">
+                    <a:bodyPr lIns="91080" rIns="91080" anchor="ctr">
                       <a:noAutofit/>
                     </a:bodyPr>
                     <a:p>
@@ -7481,7 +6068,7 @@
                         <a:solidFill>
                           <a:srgbClr val="ffffff"/>
                         </a:solidFill>
-                        <a:latin typeface="Times New Roman"/>
+                        <a:latin typeface="Arial"/>
                       </a:endParaRPr>
                     </a:p>
                   </a:txBody>
@@ -7517,7 +6104,7 @@
                 </a:tc>
                 <a:tc>
                   <a:txBody>
-                    <a:bodyPr lIns="91080" rIns="91080" tIns="91080" bIns="91080" anchor="ctr">
+                    <a:bodyPr lIns="91080" rIns="91080" anchor="ctr">
                       <a:noAutofit/>
                     </a:bodyPr>
                     <a:p>
@@ -7543,7 +6130,7 @@
                         <a:solidFill>
                           <a:srgbClr val="ffffff"/>
                         </a:solidFill>
-                        <a:latin typeface="Times New Roman"/>
+                        <a:latin typeface="Arial"/>
                       </a:endParaRPr>
                     </a:p>
                   </a:txBody>
@@ -7579,7 +6166,7 @@
                 </a:tc>
                 <a:tc>
                   <a:txBody>
-                    <a:bodyPr lIns="91080" rIns="91080" tIns="91080" bIns="91080" anchor="ctr">
+                    <a:bodyPr lIns="91080" rIns="91080" anchor="ctr">
                       <a:noAutofit/>
                     </a:bodyPr>
                     <a:p>
@@ -7605,7 +6192,7 @@
                         <a:solidFill>
                           <a:srgbClr val="ffffff"/>
                         </a:solidFill>
-                        <a:latin typeface="Times New Roman"/>
+                        <a:latin typeface="Arial"/>
                       </a:endParaRPr>
                     </a:p>
                   </a:txBody>
@@ -7643,7 +6230,7 @@
               <a:tr h="380880">
                 <a:tc>
                   <a:txBody>
-                    <a:bodyPr lIns="91080" rIns="91080" tIns="91080" bIns="91080" anchor="ctr">
+                    <a:bodyPr lIns="91080" rIns="91080" anchor="ctr">
                       <a:noAutofit/>
                     </a:bodyPr>
                     <a:p>
@@ -7669,7 +6256,7 @@
                         <a:solidFill>
                           <a:srgbClr val="000000"/>
                         </a:solidFill>
-                        <a:latin typeface="Times New Roman"/>
+                        <a:latin typeface="Arial"/>
                       </a:endParaRPr>
                     </a:p>
                   </a:txBody>
@@ -7703,7 +6290,7 @@
                 </a:tc>
                 <a:tc>
                   <a:txBody>
-                    <a:bodyPr lIns="91080" rIns="91080" tIns="91080" bIns="91080" anchor="ctr">
+                    <a:bodyPr lIns="91080" rIns="91080" anchor="ctr">
                       <a:noAutofit/>
                     </a:bodyPr>
                     <a:p>
@@ -7729,7 +6316,7 @@
                         <a:solidFill>
                           <a:srgbClr val="000000"/>
                         </a:solidFill>
-                        <a:latin typeface="Times New Roman"/>
+                        <a:latin typeface="Arial"/>
                       </a:endParaRPr>
                     </a:p>
                   </a:txBody>
@@ -7763,7 +6350,7 @@
                 </a:tc>
                 <a:tc>
                   <a:txBody>
-                    <a:bodyPr lIns="91080" rIns="91080" tIns="91080" bIns="91080" anchor="ctr">
+                    <a:bodyPr lIns="91080" rIns="91080" anchor="ctr">
                       <a:noAutofit/>
                     </a:bodyPr>
                     <a:p>
@@ -7789,7 +6376,7 @@
                         <a:solidFill>
                           <a:srgbClr val="000000"/>
                         </a:solidFill>
-                        <a:latin typeface="Times New Roman"/>
+                        <a:latin typeface="Arial"/>
                       </a:endParaRPr>
                     </a:p>
                   </a:txBody>
@@ -7823,7 +6410,7 @@
                 </a:tc>
                 <a:tc>
                   <a:txBody>
-                    <a:bodyPr lIns="91080" rIns="91080" tIns="91080" bIns="91080" anchor="ctr">
+                    <a:bodyPr lIns="91080" rIns="91080" anchor="ctr">
                       <a:noAutofit/>
                     </a:bodyPr>
                     <a:p>
@@ -7849,7 +6436,7 @@
                         <a:solidFill>
                           <a:srgbClr val="000000"/>
                         </a:solidFill>
-                        <a:latin typeface="Times New Roman"/>
+                        <a:latin typeface="Arial"/>
                       </a:endParaRPr>
                     </a:p>
                   </a:txBody>
@@ -7883,7 +6470,7 @@
                 </a:tc>
                 <a:tc>
                   <a:txBody>
-                    <a:bodyPr lIns="91080" rIns="91080" tIns="91080" bIns="91080" anchor="ctr">
+                    <a:bodyPr lIns="91080" rIns="91080" anchor="ctr">
                       <a:noAutofit/>
                     </a:bodyPr>
                     <a:p>
@@ -7909,7 +6496,7 @@
                         <a:solidFill>
                           <a:srgbClr val="000000"/>
                         </a:solidFill>
-                        <a:latin typeface="Times New Roman"/>
+                        <a:latin typeface="Arial"/>
                       </a:endParaRPr>
                     </a:p>
                   </a:txBody>
@@ -7945,7 +6532,7 @@
               <a:tr h="380880">
                 <a:tc>
                   <a:txBody>
-                    <a:bodyPr lIns="91080" rIns="91080" tIns="91080" bIns="91080" anchor="ctr">
+                    <a:bodyPr lIns="91080" rIns="91080" anchor="ctr">
                       <a:noAutofit/>
                     </a:bodyPr>
                     <a:p>
@@ -7971,7 +6558,7 @@
                         <a:solidFill>
                           <a:srgbClr val="000000"/>
                         </a:solidFill>
-                        <a:latin typeface="Times New Roman"/>
+                        <a:latin typeface="Arial"/>
                       </a:endParaRPr>
                     </a:p>
                   </a:txBody>
@@ -8005,7 +6592,7 @@
                 </a:tc>
                 <a:tc>
                   <a:txBody>
-                    <a:bodyPr lIns="91080" rIns="91080" tIns="91080" bIns="91080" anchor="ctr">
+                    <a:bodyPr lIns="91080" rIns="91080" anchor="ctr">
                       <a:noAutofit/>
                     </a:bodyPr>
                     <a:p>
@@ -8031,7 +6618,7 @@
                         <a:solidFill>
                           <a:srgbClr val="000000"/>
                         </a:solidFill>
-                        <a:latin typeface="Times New Roman"/>
+                        <a:latin typeface="Arial"/>
                       </a:endParaRPr>
                     </a:p>
                   </a:txBody>
@@ -8065,7 +6652,7 @@
                 </a:tc>
                 <a:tc>
                   <a:txBody>
-                    <a:bodyPr lIns="91080" rIns="91080" tIns="91080" bIns="91080" anchor="ctr">
+                    <a:bodyPr lIns="91080" rIns="91080" anchor="ctr">
                       <a:noAutofit/>
                     </a:bodyPr>
                     <a:p>
@@ -8091,7 +6678,7 @@
                         <a:solidFill>
                           <a:srgbClr val="000000"/>
                         </a:solidFill>
-                        <a:latin typeface="Times New Roman"/>
+                        <a:latin typeface="Arial"/>
                       </a:endParaRPr>
                     </a:p>
                   </a:txBody>
@@ -8125,7 +6712,7 @@
                 </a:tc>
                 <a:tc>
                   <a:txBody>
-                    <a:bodyPr lIns="91080" rIns="91080" tIns="91080" bIns="91080" anchor="ctr">
+                    <a:bodyPr lIns="91080" rIns="91080" anchor="ctr">
                       <a:noAutofit/>
                     </a:bodyPr>
                     <a:p>
@@ -8151,7 +6738,7 @@
                         <a:solidFill>
                           <a:srgbClr val="000000"/>
                         </a:solidFill>
-                        <a:latin typeface="Times New Roman"/>
+                        <a:latin typeface="Arial"/>
                       </a:endParaRPr>
                     </a:p>
                   </a:txBody>
@@ -8185,7 +6772,7 @@
                 </a:tc>
                 <a:tc>
                   <a:txBody>
-                    <a:bodyPr lIns="91080" rIns="91080" tIns="91080" bIns="91080" anchor="ctr">
+                    <a:bodyPr lIns="91080" rIns="91080" anchor="ctr">
                       <a:noAutofit/>
                     </a:bodyPr>
                     <a:p>
@@ -8211,7 +6798,7 @@
                         <a:solidFill>
                           <a:srgbClr val="000000"/>
                         </a:solidFill>
-                        <a:latin typeface="Times New Roman"/>
+                        <a:latin typeface="Arial"/>
                       </a:endParaRPr>
                     </a:p>
                   </a:txBody>
@@ -8247,7 +6834,7 @@
               <a:tr h="380880">
                 <a:tc>
                   <a:txBody>
-                    <a:bodyPr lIns="91080" rIns="91080" tIns="91080" bIns="91080" anchor="ctr">
+                    <a:bodyPr lIns="91080" rIns="91080" anchor="ctr">
                       <a:noAutofit/>
                     </a:bodyPr>
                     <a:p>
@@ -8273,7 +6860,7 @@
                         <a:solidFill>
                           <a:srgbClr val="000000"/>
                         </a:solidFill>
-                        <a:latin typeface="Times New Roman"/>
+                        <a:latin typeface="Arial"/>
                       </a:endParaRPr>
                     </a:p>
                   </a:txBody>
@@ -8307,7 +6894,7 @@
                 </a:tc>
                 <a:tc>
                   <a:txBody>
-                    <a:bodyPr lIns="91080" rIns="91080" tIns="91080" bIns="91080" anchor="ctr">
+                    <a:bodyPr lIns="91080" rIns="91080" anchor="ctr">
                       <a:noAutofit/>
                     </a:bodyPr>
                     <a:p>
@@ -8333,7 +6920,7 @@
                         <a:solidFill>
                           <a:srgbClr val="000000"/>
                         </a:solidFill>
-                        <a:latin typeface="Times New Roman"/>
+                        <a:latin typeface="Arial"/>
                       </a:endParaRPr>
                     </a:p>
                   </a:txBody>
@@ -8367,7 +6954,7 @@
                 </a:tc>
                 <a:tc>
                   <a:txBody>
-                    <a:bodyPr lIns="91080" rIns="91080" tIns="91080" bIns="91080" anchor="ctr">
+                    <a:bodyPr lIns="91080" rIns="91080" anchor="ctr">
                       <a:noAutofit/>
                     </a:bodyPr>
                     <a:p>
@@ -8393,7 +6980,7 @@
                         <a:solidFill>
                           <a:srgbClr val="000000"/>
                         </a:solidFill>
-                        <a:latin typeface="Times New Roman"/>
+                        <a:latin typeface="Arial"/>
                       </a:endParaRPr>
                     </a:p>
                   </a:txBody>
@@ -8427,7 +7014,7 @@
                 </a:tc>
                 <a:tc>
                   <a:txBody>
-                    <a:bodyPr lIns="91080" rIns="91080" tIns="91080" bIns="91080" anchor="ctr">
+                    <a:bodyPr lIns="91080" rIns="91080" anchor="ctr">
                       <a:noAutofit/>
                     </a:bodyPr>
                     <a:p>
@@ -8453,7 +7040,7 @@
                         <a:solidFill>
                           <a:srgbClr val="000000"/>
                         </a:solidFill>
-                        <a:latin typeface="Times New Roman"/>
+                        <a:latin typeface="Arial"/>
                       </a:endParaRPr>
                     </a:p>
                   </a:txBody>
@@ -8487,7 +7074,7 @@
                 </a:tc>
                 <a:tc>
                   <a:txBody>
-                    <a:bodyPr lIns="91080" rIns="91080" tIns="91080" bIns="91080" anchor="ctr">
+                    <a:bodyPr lIns="91080" rIns="91080" anchor="ctr">
                       <a:noAutofit/>
                     </a:bodyPr>
                     <a:p>
@@ -8513,7 +7100,7 @@
                         <a:solidFill>
                           <a:srgbClr val="000000"/>
                         </a:solidFill>
-                        <a:latin typeface="Times New Roman"/>
+                        <a:latin typeface="Arial"/>
                       </a:endParaRPr>
                     </a:p>
                   </a:txBody>
@@ -8549,7 +7136,7 @@
               <a:tr h="380880">
                 <a:tc>
                   <a:txBody>
-                    <a:bodyPr lIns="91080" rIns="91080" tIns="91080" bIns="91080" anchor="ctr">
+                    <a:bodyPr lIns="91080" rIns="91080" anchor="ctr">
                       <a:noAutofit/>
                     </a:bodyPr>
                     <a:p>
@@ -8575,7 +7162,7 @@
                         <a:solidFill>
                           <a:srgbClr val="000000"/>
                         </a:solidFill>
-                        <a:latin typeface="Times New Roman"/>
+                        <a:latin typeface="Arial"/>
                       </a:endParaRPr>
                     </a:p>
                   </a:txBody>
@@ -8609,7 +7196,7 @@
                 </a:tc>
                 <a:tc>
                   <a:txBody>
-                    <a:bodyPr lIns="91080" rIns="91080" tIns="91080" bIns="91080" anchor="ctr">
+                    <a:bodyPr lIns="91080" rIns="91080" anchor="ctr">
                       <a:noAutofit/>
                     </a:bodyPr>
                     <a:p>
@@ -8635,7 +7222,7 @@
                         <a:solidFill>
                           <a:srgbClr val="000000"/>
                         </a:solidFill>
-                        <a:latin typeface="Times New Roman"/>
+                        <a:latin typeface="Arial"/>
                       </a:endParaRPr>
                     </a:p>
                   </a:txBody>
@@ -8669,7 +7256,7 @@
                 </a:tc>
                 <a:tc>
                   <a:txBody>
-                    <a:bodyPr lIns="91080" rIns="91080" tIns="91080" bIns="91080" anchor="ctr">
+                    <a:bodyPr lIns="91080" rIns="91080" anchor="ctr">
                       <a:noAutofit/>
                     </a:bodyPr>
                     <a:p>
@@ -8695,7 +7282,7 @@
                         <a:solidFill>
                           <a:srgbClr val="000000"/>
                         </a:solidFill>
-                        <a:latin typeface="Times New Roman"/>
+                        <a:latin typeface="Arial"/>
                       </a:endParaRPr>
                     </a:p>
                   </a:txBody>
@@ -8729,7 +7316,7 @@
                 </a:tc>
                 <a:tc>
                   <a:txBody>
-                    <a:bodyPr lIns="91080" rIns="91080" tIns="91080" bIns="91080" anchor="ctr">
+                    <a:bodyPr lIns="91080" rIns="91080" anchor="ctr">
                       <a:noAutofit/>
                     </a:bodyPr>
                     <a:p>
@@ -8755,7 +7342,7 @@
                         <a:solidFill>
                           <a:srgbClr val="000000"/>
                         </a:solidFill>
-                        <a:latin typeface="Times New Roman"/>
+                        <a:latin typeface="Arial"/>
                       </a:endParaRPr>
                     </a:p>
                   </a:txBody>
@@ -8789,7 +7376,7 @@
                 </a:tc>
                 <a:tc>
                   <a:txBody>
-                    <a:bodyPr lIns="91080" rIns="91080" tIns="91080" bIns="91080" anchor="ctr">
+                    <a:bodyPr lIns="91080" rIns="91080" anchor="ctr">
                       <a:noAutofit/>
                     </a:bodyPr>
                     <a:p>
@@ -8815,7 +7402,7 @@
                         <a:solidFill>
                           <a:srgbClr val="000000"/>
                         </a:solidFill>
-                        <a:latin typeface="Times New Roman"/>
+                        <a:latin typeface="Arial"/>
                       </a:endParaRPr>
                     </a:p>
                   </a:txBody>
@@ -8851,7 +7438,7 @@
               <a:tr h="380880">
                 <a:tc gridSpan="4">
                   <a:txBody>
-                    <a:bodyPr lIns="91080" rIns="91080" tIns="91080" bIns="91080" anchor="ctr">
+                    <a:bodyPr lIns="91080" rIns="91080" anchor="ctr">
                       <a:noAutofit/>
                     </a:bodyPr>
                     <a:p>
@@ -8877,7 +7464,7 @@
                         <a:solidFill>
                           <a:srgbClr val="000000"/>
                         </a:solidFill>
-                        <a:latin typeface="Times New Roman"/>
+                        <a:latin typeface="Arial"/>
                       </a:endParaRPr>
                     </a:p>
                   </a:txBody>
@@ -9007,7 +7594,7 @@
                 </a:tc>
                 <a:tc>
                   <a:txBody>
-                    <a:bodyPr lIns="91080" rIns="91080" tIns="91080" bIns="91080" anchor="ctr">
+                    <a:bodyPr lIns="91080" rIns="91080" anchor="ctr">
                       <a:noAutofit/>
                     </a:bodyPr>
                     <a:p>
@@ -9033,7 +7620,7 @@
                         <a:solidFill>
                           <a:srgbClr val="000000"/>
                         </a:solidFill>
-                        <a:latin typeface="Times New Roman"/>
+                        <a:latin typeface="Arial"/>
                       </a:endParaRPr>
                     </a:p>
                   </a:txBody>
@@ -9102,14 +7689,14 @@
       </p:grpSpPr>
       <p:sp>
         <p:nvSpPr>
-          <p:cNvPr id="60" name="Google Shape;89;p16"/>
+          <p:cNvPr id="51" name="Google Shape;89;p16"/>
           <p:cNvSpPr/>
           <p:nvPr/>
         </p:nvSpPr>
         <p:spPr>
           <a:xfrm>
             <a:off x="360000" y="329760"/>
-            <a:ext cx="6839640" cy="1352520"/>
+            <a:ext cx="6839280" cy="1352160"/>
           </a:xfrm>
           <a:prstGeom prst="roundRect">
             <a:avLst>
@@ -9138,7 +7725,7 @@
           <a:fontRef idx="minor"/>
         </p:style>
         <p:txBody>
-          <a:bodyPr tIns="91440" bIns="91440" anchor="ctr">
+          <a:bodyPr lIns="90000" rIns="90000" tIns="91440" bIns="91440" anchor="ctr">
             <a:noAutofit/>
           </a:bodyPr>
           <a:p>
@@ -9171,7 +7758,7 @@
       </p:sp>
       <p:pic>
         <p:nvPicPr>
-          <p:cNvPr id="61" name="Google Shape;90;p16" descr=""/>
+          <p:cNvPr id="52" name="Google Shape;90;p16" descr=""/>
           <p:cNvPicPr/>
           <p:nvPr/>
         </p:nvPicPr>
@@ -9183,7 +7770,7 @@
         <p:spPr>
           <a:xfrm>
             <a:off x="360000" y="2081880"/>
-            <a:ext cx="6839640" cy="2106360"/>
+            <a:ext cx="6839280" cy="2106000"/>
           </a:xfrm>
           <a:prstGeom prst="rect">
             <a:avLst/>
@@ -9195,7 +7782,7 @@
       </p:pic>
       <p:pic>
         <p:nvPicPr>
-          <p:cNvPr id="62" name="Google Shape;91;p16" descr=""/>
+          <p:cNvPr id="53" name="Google Shape;91;p16" descr=""/>
           <p:cNvPicPr/>
           <p:nvPr/>
         </p:nvPicPr>
@@ -9207,7 +7794,7 @@
         <p:spPr>
           <a:xfrm>
             <a:off x="1081080" y="4776120"/>
-            <a:ext cx="2495160" cy="3142800"/>
+            <a:ext cx="2494800" cy="3142440"/>
           </a:xfrm>
           <a:prstGeom prst="rect">
             <a:avLst/>
@@ -9219,7 +7806,7 @@
       </p:pic>
       <p:pic>
         <p:nvPicPr>
-          <p:cNvPr id="63" name="Google Shape;92;p16" descr=""/>
+          <p:cNvPr id="54" name="Google Shape;92;p16" descr=""/>
           <p:cNvPicPr/>
           <p:nvPr/>
         </p:nvPicPr>
@@ -9230,7 +7817,7 @@
         <p:spPr>
           <a:xfrm>
             <a:off x="3984480" y="4770000"/>
-            <a:ext cx="2495160" cy="3152520"/>
+            <a:ext cx="2494800" cy="3152160"/>
           </a:xfrm>
           <a:prstGeom prst="rect">
             <a:avLst/>
